--- a/talks/final/Presentation (Powerpoint).pptx
+++ b/talks/final/Presentation (Powerpoint).pptx
@@ -5,16 +5,19 @@
     <p:sldMasterId id="2147483648" r:id="rId1"/>
   </p:sldMasterIdLst>
   <p:notesMasterIdLst>
-    <p:notesMasterId r:id="rId6"/>
+    <p:notesMasterId r:id="rId9"/>
   </p:notesMasterIdLst>
   <p:handoutMasterIdLst>
-    <p:handoutMasterId r:id="rId7"/>
+    <p:handoutMasterId r:id="rId10"/>
   </p:handoutMasterIdLst>
   <p:sldIdLst>
     <p:sldId id="256" r:id="rId2"/>
     <p:sldId id="257" r:id="rId3"/>
-    <p:sldId id="258" r:id="rId4"/>
-    <p:sldId id="259" r:id="rId5"/>
+    <p:sldId id="261" r:id="rId4"/>
+    <p:sldId id="262" r:id="rId5"/>
+    <p:sldId id="260" r:id="rId6"/>
+    <p:sldId id="258" r:id="rId7"/>
+    <p:sldId id="259" r:id="rId8"/>
   </p:sldIdLst>
   <p:sldSz cx="13004800" cy="9753600"/>
   <p:notesSz cx="6858000" cy="9144000"/>
@@ -92,7 +95,71 @@
       </a:defRPr>
     </a:lvl9pPr>
   </p:defaultTextStyle>
+  <p:extLst>
+    <p:ext uri="{EFAFB233-063F-42B5-8137-9DF3F51BA10A}">
+      <p15:sldGuideLst xmlns:p15="http://schemas.microsoft.com/office/powerpoint/2012/main">
+        <p15:guide id="1" orient="horz" pos="3072">
+          <p15:clr>
+            <a:srgbClr val="A4A3A4"/>
+          </p15:clr>
+        </p15:guide>
+        <p15:guide id="2" pos="4096">
+          <p15:clr>
+            <a:srgbClr val="A4A3A4"/>
+          </p15:clr>
+        </p15:guide>
+      </p15:sldGuideLst>
+    </p:ext>
+  </p:extLst>
 </p:presentation>
+</file>
+
+<file path=ppt/commentAuthors.xml><?xml version="1.0" encoding="utf-8"?>
+<p:cmAuthorLst xmlns:a="http://schemas.openxmlformats.org/drawingml/2006/main" xmlns:r="http://schemas.openxmlformats.org/officeDocument/2006/relationships" xmlns:p="http://schemas.openxmlformats.org/presentationml/2006/main">
+  <p:cmAuthor id="1" name="Frederic Klein" initials="FK" lastIdx="3" clrIdx="0">
+    <p:extLst>
+      <p:ext uri="{19B8F6BF-5375-455C-9EA6-DF929625EA0E}">
+        <p15:presenceInfo xmlns:p15="http://schemas.microsoft.com/office/powerpoint/2012/main" userId="e84ff4ed9fb42513" providerId="Windows Live"/>
+      </p:ext>
+    </p:extLst>
+  </p:cmAuthor>
+</p:cmAuthorLst>
+</file>
+
+<file path=ppt/comments/comment1.xml><?xml version="1.0" encoding="utf-8"?>
+<p:cmLst xmlns:a="http://schemas.openxmlformats.org/drawingml/2006/main" xmlns:r="http://schemas.openxmlformats.org/officeDocument/2006/relationships" xmlns:p="http://schemas.openxmlformats.org/presentationml/2006/main">
+  <p:cm authorId="1" dt="2017-01-19T14:22:27.757" idx="1">
+    <p:pos x="5832" y="99"/>
+    <p:text>What is gamification? Motivators?</p:text>
+    <p:extLst>
+      <p:ext uri="{C676402C-5697-4E1C-873F-D02D1690AC5C}">
+        <p15:threadingInfo xmlns:p15="http://schemas.microsoft.com/office/powerpoint/2012/main" timeZoneBias="-60"/>
+      </p:ext>
+    </p:extLst>
+  </p:cm>
+  <p:cm authorId="1" dt="2017-01-19T14:23:10.161" idx="2">
+    <p:pos x="5832" y="195"/>
+    <p:text>Where do we find it?</p:text>
+    <p:extLst>
+      <p:ext uri="{C676402C-5697-4E1C-873F-D02D1690AC5C}">
+        <p15:threadingInfo xmlns:p15="http://schemas.microsoft.com/office/powerpoint/2012/main" timeZoneBias="-60">
+          <p15:parentCm authorId="1" idx="1"/>
+        </p15:threadingInfo>
+      </p:ext>
+    </p:extLst>
+  </p:cm>
+  <p:cm authorId="1" dt="2017-01-19T14:23:31.402" idx="3">
+    <p:pos x="5832" y="291"/>
+    <p:text>Problems with Gamification and privacy</p:text>
+    <p:extLst>
+      <p:ext uri="{C676402C-5697-4E1C-873F-D02D1690AC5C}">
+        <p15:threadingInfo xmlns:p15="http://schemas.microsoft.com/office/powerpoint/2012/main" timeZoneBias="-60">
+          <p15:parentCm authorId="1" idx="1"/>
+        </p15:threadingInfo>
+      </p:ext>
+    </p:extLst>
+  </p:cm>
+</p:cmLst>
 </file>
 
 <file path=ppt/handoutMasters/handoutMaster1.xml><?xml version="1.0" encoding="utf-8"?>
@@ -177,7 +244,7 @@
           <a:p>
             <a:fld id="{4B225226-880C-564E-8073-D1951F2EE675}" type="datetimeFigureOut">
               <a:rPr lang="en-US" smtClean="0"/>
-              <a:t>10/9/15</a:t>
+              <a:t>1/19/2017</a:t>
             </a:fld>
             <a:endParaRPr lang="en-US"/>
           </a:p>
@@ -243,7 +310,7 @@
           <a:p>
             <a:fld id="{955C599F-8348-3447-AD48-CDD240268F76}" type="slidenum">
               <a:rPr lang="en-US" smtClean="0"/>
-              <a:t>‹#›</a:t>
+              <a:t>‹Nr.›</a:t>
             </a:fld>
             <a:endParaRPr lang="en-US"/>
           </a:p>
@@ -488,7 +555,7 @@
           </a:ln>
           <a:extLst>
             <a:ext uri="{C572A759-6A51-4108-AA02-DFA0A04FC94B}">
-              <ma14:wrappingTextBoxFlag xmlns:ma14="http://schemas.microsoft.com/office/mac/drawingml/2011/main" val="1"/>
+              <ma14:wrappingTextBoxFlag xmlns="" xmlns:ma14="http://schemas.microsoft.com/office/mac/drawingml/2011/main" val="1"/>
             </a:ext>
           </a:extLst>
         </p:spPr>
@@ -510,7 +577,7 @@
               <a:t>Institute </a:t>
             </a:r>
             <a:r>
-              <a:rPr lang="en-US" sz="3200" dirty="0" smtClean="0">
+              <a:rPr lang="en-US" sz="3200" dirty="0">
                 <a:solidFill>
                   <a:srgbClr val="275D90"/>
                 </a:solidFill>
@@ -518,14 +585,14 @@
               <a:t>of </a:t>
             </a:r>
             <a:r>
-              <a:rPr sz="3200" dirty="0" smtClean="0">
+              <a:rPr sz="3200" dirty="0">
                 <a:solidFill>
                   <a:srgbClr val="275D90"/>
                 </a:solidFill>
               </a:rPr>
               <a:t>Medical Informatics</a:t>
             </a:r>
-            <a:endParaRPr lang="en-US" sz="3200" dirty="0" smtClean="0">
+            <a:endParaRPr lang="en-US" sz="3200" dirty="0">
               <a:solidFill>
                 <a:srgbClr val="275D90"/>
               </a:solidFill>
@@ -536,7 +603,7 @@
               <a:defRPr sz="1800"/>
             </a:pPr>
             <a:r>
-              <a:rPr lang="en-US" sz="3200" dirty="0" err="1" smtClean="0">
+              <a:rPr lang="en-US" sz="3200" dirty="0" err="1">
                 <a:solidFill>
                   <a:srgbClr val="275D90"/>
                 </a:solidFill>
@@ -544,7 +611,7 @@
               <a:t>Uniklinik</a:t>
             </a:r>
             <a:r>
-              <a:rPr lang="en-US" sz="3200" baseline="0" dirty="0" smtClean="0">
+              <a:rPr lang="en-US" sz="3200" baseline="0" dirty="0">
                 <a:solidFill>
                   <a:srgbClr val="275D90"/>
                 </a:solidFill>
@@ -552,18 +619,13 @@
               <a:t> RWTH </a:t>
             </a:r>
             <a:r>
-              <a:rPr sz="3200" dirty="0" smtClean="0">
+              <a:rPr sz="3200" dirty="0">
                 <a:solidFill>
                   <a:srgbClr val="275D90"/>
                 </a:solidFill>
               </a:rPr>
               <a:t>Aachen</a:t>
             </a:r>
-            <a:endParaRPr sz="3200" dirty="0">
-              <a:solidFill>
-                <a:srgbClr val="275D90"/>
-              </a:solidFill>
-            </a:endParaRPr>
           </a:p>
         </p:txBody>
       </p:sp>
@@ -602,7 +664,7 @@
               </a:defRPr>
             </a:pPr>
             <a:r>
-              <a:rPr lang="de-DE" sz="7200" smtClean="0">
+              <a:rPr lang="de-DE" sz="7200">
                 <a:solidFill>
                   <a:srgbClr val="275D90"/>
                 </a:solidFill>
@@ -689,7 +751,7 @@
               </a:defRPr>
             </a:pPr>
             <a:r>
-              <a:rPr lang="en-US" sz="3600" dirty="0" smtClean="0">
+              <a:rPr lang="en-US" sz="3600" dirty="0">
                 <a:solidFill>
                   <a:srgbClr val="275D90"/>
                 </a:solidFill>
@@ -704,7 +766,7 @@
   <p:clrMapOvr>
     <a:masterClrMapping/>
   </p:clrMapOvr>
-  <p:transition xmlns:p14="http://schemas.microsoft.com/office/powerpoint/2010/main" spd="med"/>
+  <p:transition spd="med"/>
 </p:sldLayout>
 </file>
 
@@ -756,7 +818,7 @@
               </a:defRPr>
             </a:pPr>
             <a:r>
-              <a:rPr lang="de-DE" sz="8400" smtClean="0">
+              <a:rPr lang="de-DE" sz="8400">
                 <a:solidFill>
                   <a:srgbClr val="275D90"/>
                 </a:solidFill>
@@ -811,7 +873,7 @@
               </a:defRPr>
             </a:pPr>
             <a:r>
-              <a:rPr lang="de-DE" sz="4200" smtClean="0">
+              <a:rPr lang="de-DE" sz="4200">
                 <a:solidFill>
                   <a:srgbClr val="275D90"/>
                 </a:solidFill>
@@ -828,7 +890,7 @@
               </a:defRPr>
             </a:pPr>
             <a:r>
-              <a:rPr lang="de-DE" sz="4200" smtClean="0">
+              <a:rPr lang="de-DE" sz="4200">
                 <a:solidFill>
                   <a:srgbClr val="275D90"/>
                 </a:solidFill>
@@ -845,7 +907,7 @@
               </a:defRPr>
             </a:pPr>
             <a:r>
-              <a:rPr lang="de-DE" sz="4200" smtClean="0">
+              <a:rPr lang="de-DE" sz="4200">
                 <a:solidFill>
                   <a:srgbClr val="275D90"/>
                 </a:solidFill>
@@ -862,7 +924,7 @@
               </a:defRPr>
             </a:pPr>
             <a:r>
-              <a:rPr lang="de-DE" sz="4200" smtClean="0">
+              <a:rPr lang="de-DE" sz="4200">
                 <a:solidFill>
                   <a:srgbClr val="275D90"/>
                 </a:solidFill>
@@ -879,7 +941,7 @@
               </a:defRPr>
             </a:pPr>
             <a:r>
-              <a:rPr lang="de-DE" sz="4200" smtClean="0">
+              <a:rPr lang="de-DE" sz="4200">
                 <a:solidFill>
                   <a:srgbClr val="275D90"/>
                 </a:solidFill>
@@ -982,7 +1044,7 @@
           <a:lstStyle/>
           <a:p>
             <a:r>
-              <a:rPr lang="en-US" smtClean="0"/>
+              <a:rPr lang="en-US"/>
               <a:t>Author- Title</a:t>
             </a:r>
             <a:endParaRPr lang="en-US" dirty="0"/>
@@ -1028,7 +1090,7 @@
             <a:pPr lvl="0"/>
             <a:fld id="{86CB4B4D-7CA3-9044-876B-883B54F8677D}" type="slidenum">
               <a:rPr smtClean="0"/>
-              <a:t>‹#›</a:t>
+              <a:t>‹Nr.›</a:t>
             </a:fld>
             <a:endParaRPr dirty="0"/>
           </a:p>
@@ -1089,7 +1151,7 @@
   <p:clrMapOvr>
     <a:masterClrMapping/>
   </p:clrMapOvr>
-  <p:transition xmlns:p14="http://schemas.microsoft.com/office/powerpoint/2010/main" spd="med"/>
+  <p:transition spd="med"/>
 </p:sldLayout>
 </file>
 
@@ -1218,7 +1280,7 @@
           </a:ln>
           <a:extLst>
             <a:ext uri="{C572A759-6A51-4108-AA02-DFA0A04FC94B}">
-              <ma14:wrappingTextBoxFlag xmlns:ma14="http://schemas.microsoft.com/office/mac/drawingml/2011/main" val="1"/>
+              <ma14:wrappingTextBoxFlag xmlns="" xmlns:ma14="http://schemas.microsoft.com/office/mac/drawingml/2011/main" val="1"/>
             </a:ext>
           </a:extLst>
         </p:spPr>
@@ -1269,7 +1331,7 @@
           </a:ln>
           <a:extLst>
             <a:ext uri="{C572A759-6A51-4108-AA02-DFA0A04FC94B}">
-              <ma14:wrappingTextBoxFlag xmlns:ma14="http://schemas.microsoft.com/office/mac/drawingml/2011/main" val="1"/>
+              <ma14:wrappingTextBoxFlag xmlns="" xmlns:ma14="http://schemas.microsoft.com/office/mac/drawingml/2011/main" val="1"/>
             </a:ext>
           </a:extLst>
         </p:spPr>
@@ -1305,21 +1367,8 @@
                   <a:srgbClr val="275D90"/>
                 </a:solidFill>
               </a:rPr>
-              <a:t>Body Level </a:t>
-            </a:r>
-            <a:r>
-              <a:rPr sz="4200" dirty="0" smtClean="0">
-                <a:solidFill>
-                  <a:srgbClr val="275D90"/>
-                </a:solidFill>
-              </a:rPr>
-              <a:t>One</a:t>
-            </a:r>
-            <a:endParaRPr sz="4200" dirty="0">
-              <a:solidFill>
-                <a:srgbClr val="275D90"/>
-              </a:solidFill>
-            </a:endParaRPr>
+              <a:t>Body Level One</a:t>
+            </a:r>
           </a:p>
           <a:p>
             <a:pPr lvl="1">
@@ -1352,21 +1401,8 @@
                   <a:srgbClr val="275D90"/>
                 </a:solidFill>
               </a:rPr>
-              <a:t>Body Level </a:t>
-            </a:r>
-            <a:r>
-              <a:rPr sz="3400" dirty="0" smtClean="0">
-                <a:solidFill>
-                  <a:srgbClr val="275D90"/>
-                </a:solidFill>
-              </a:rPr>
-              <a:t>Three</a:t>
-            </a:r>
-            <a:endParaRPr sz="3400" dirty="0">
-              <a:solidFill>
-                <a:srgbClr val="275D90"/>
-              </a:solidFill>
-            </a:endParaRPr>
+              <a:t>Body Level Three</a:t>
+            </a:r>
           </a:p>
           <a:p>
             <a:pPr lvl="3">
@@ -1438,10 +1474,9 @@
           </a:lstStyle>
           <a:p>
             <a:r>
-              <a:rPr lang="en-US" dirty="0" smtClean="0"/>
+              <a:rPr lang="en-US" dirty="0"/>
               <a:t>Author- Title</a:t>
             </a:r>
-            <a:endParaRPr lang="en-US" dirty="0"/>
           </a:p>
         </p:txBody>
       </p:sp>
@@ -1481,7 +1516,7 @@
     <p:sldLayoutId id="2147483649" r:id="rId1"/>
     <p:sldLayoutId id="2147483650" r:id="rId2"/>
   </p:sldLayoutIdLst>
-  <p:transition xmlns:p14="http://schemas.microsoft.com/office/powerpoint/2010/main" spd="med"/>
+  <p:transition spd="med"/>
   <p:hf hdr="0" dt="0"/>
   <p:txStyles>
     <p:titleStyle>
@@ -1866,7 +1901,7 @@
         </p:nvSpPr>
         <p:spPr>
           <a:xfrm>
-            <a:off x="1270000" y="88900"/>
+            <a:off x="1270000" y="219526"/>
             <a:ext cx="10464800" cy="1308100"/>
           </a:xfrm>
           <a:prstGeom prst="rect">
@@ -1874,7 +1909,9 @@
           </a:prstGeom>
         </p:spPr>
         <p:txBody>
-          <a:bodyPr/>
+          <a:bodyPr tIns="0">
+            <a:noAutofit/>
+          </a:bodyPr>
           <a:lstStyle/>
           <a:p>
             <a:pPr lvl="0">
@@ -1885,34 +1922,28 @@
               </a:defRPr>
             </a:pPr>
             <a:r>
-              <a:rPr lang="de-DE" sz="7200" dirty="0" err="1" smtClean="0">
-                <a:solidFill>
-                  <a:srgbClr val="275D90"/>
-                </a:solidFill>
-              </a:rPr>
-              <a:t>My</a:t>
-            </a:r>
-            <a:r>
-              <a:rPr lang="de-DE" sz="7200" dirty="0" smtClean="0">
-                <a:solidFill>
-                  <a:srgbClr val="275D90"/>
-                </a:solidFill>
-              </a:rPr>
-              <a:t> </a:t>
-            </a:r>
-            <a:r>
-              <a:rPr lang="de-DE" sz="7200" dirty="0" err="1" smtClean="0">
-                <a:solidFill>
-                  <a:srgbClr val="275D90"/>
-                </a:solidFill>
-              </a:rPr>
-              <a:t>Theme</a:t>
-            </a:r>
-            <a:endParaRPr sz="7200" dirty="0">
-              <a:solidFill>
-                <a:srgbClr val="275D90"/>
-              </a:solidFill>
-            </a:endParaRPr>
+              <a:rPr lang="en-US" sz="4800" noProof="0" dirty="0">
+                <a:solidFill>
+                  <a:srgbClr val="275D90"/>
+                </a:solidFill>
+              </a:rPr>
+              <a:t>SMPC for Decentralized</a:t>
+            </a:r>
+            <a:br>
+              <a:rPr lang="en-US" sz="4800" noProof="0" dirty="0">
+                <a:solidFill>
+                  <a:srgbClr val="275D90"/>
+                </a:solidFill>
+              </a:rPr>
+            </a:br>
+            <a:r>
+              <a:rPr lang="en-US" sz="4800" noProof="0" dirty="0">
+                <a:solidFill>
+                  <a:srgbClr val="275D90"/>
+                </a:solidFill>
+              </a:rPr>
+              <a:t>Distributed Systems</a:t>
+            </a:r>
           </a:p>
         </p:txBody>
       </p:sp>
@@ -1947,26 +1978,13 @@
               </a:defRPr>
             </a:pPr>
             <a:r>
-              <a:rPr lang="de-DE" sz="3600" dirty="0" err="1" smtClean="0">
-                <a:solidFill>
-                  <a:srgbClr val="275D90"/>
-                </a:solidFill>
-              </a:rPr>
-              <a:t>Author</a:t>
-            </a:r>
-            <a:r>
-              <a:rPr lang="de-DE" sz="3600" dirty="0" smtClean="0">
-                <a:solidFill>
-                  <a:srgbClr val="275D90"/>
-                </a:solidFill>
-              </a:rPr>
-              <a:t>-Title</a:t>
-            </a:r>
-            <a:endParaRPr sz="3600" dirty="0">
-              <a:solidFill>
-                <a:srgbClr val="275D90"/>
-              </a:solidFill>
-            </a:endParaRPr>
+              <a:rPr lang="en-US" sz="3600" noProof="0" dirty="0">
+                <a:solidFill>
+                  <a:srgbClr val="275D90"/>
+                </a:solidFill>
+              </a:rPr>
+              <a:t>Frederic Klein – Final Talk</a:t>
+            </a:r>
           </a:p>
         </p:txBody>
       </p:sp>
@@ -2025,7 +2043,7 @@
               <a:buNone/>
               <a:tabLst/>
             </a:pPr>
-            <a:endParaRPr kumimoji="0" lang="de-DE" sz="4200" b="0" i="0" u="none" strike="noStrike" cap="none" spc="0" normalizeH="0" baseline="0" dirty="0">
+            <a:endParaRPr kumimoji="0" lang="en-US" sz="4200" b="0" i="0" u="none" strike="noStrike" cap="none" spc="0" normalizeH="0" baseline="0">
               <a:ln>
                 <a:noFill/>
               </a:ln>
@@ -2097,7 +2115,7 @@
               <a:buNone/>
               <a:tabLst/>
             </a:pPr>
-            <a:endParaRPr kumimoji="0" lang="de-DE" sz="4200" b="0" i="0" u="none" strike="noStrike" cap="none" spc="0" normalizeH="0" baseline="0" dirty="0">
+            <a:endParaRPr kumimoji="0" lang="en-US" sz="4200" b="0" i="0" u="none" strike="noStrike" cap="none" spc="0" normalizeH="0" baseline="0">
               <a:ln>
                 <a:noFill/>
               </a:ln>
@@ -2114,19 +2132,42 @@
           </a:p>
         </p:txBody>
       </p:sp>
+      <p:pic>
+        <p:nvPicPr>
+          <p:cNvPr id="2" name="Grafik 1"/>
+          <p:cNvPicPr>
+            <a:picLocks noChangeAspect="1"/>
+          </p:cNvPicPr>
+          <p:nvPr/>
+        </p:nvPicPr>
+        <p:blipFill>
+          <a:blip r:embed="rId2" cstate="print">
+            <a:extLst>
+              <a:ext uri="{28A0092B-C50C-407E-A947-70E740481C1C}">
+                <a14:useLocalDpi xmlns:a14="http://schemas.microsoft.com/office/drawing/2010/main" val="0"/>
+              </a:ext>
+            </a:extLst>
+          </a:blip>
+          <a:stretch>
+            <a:fillRect/>
+          </a:stretch>
+        </p:blipFill>
+        <p:spPr>
+          <a:xfrm>
+            <a:off x="12408350" y="88900"/>
+            <a:ext cx="596450" cy="2032440"/>
+          </a:xfrm>
+          <a:prstGeom prst="rect">
+            <a:avLst/>
+          </a:prstGeom>
+        </p:spPr>
+      </p:pic>
     </p:spTree>
   </p:cSld>
   <p:clrMapOvr>
     <a:masterClrMapping/>
   </p:clrMapOvr>
-  <p:transition xmlns:p14="http://schemas.microsoft.com/office/powerpoint/2010/main" spd="med"/>
-  <p:timing>
-    <p:tnLst>
-      <p:par>
-        <p:cTn xmlns:p14="http://schemas.microsoft.com/office/powerpoint/2010/main" id="1" dur="indefinite" restart="never" nodeType="tmRoot"/>
-      </p:par>
-    </p:tnLst>
-  </p:timing>
+  <p:transition spd="med"/>
 </p:sld>
 </file>
 
@@ -2163,7 +2204,9 @@
           </a:prstGeom>
         </p:spPr>
         <p:txBody>
-          <a:bodyPr/>
+          <a:bodyPr>
+            <a:normAutofit/>
+          </a:bodyPr>
           <a:lstStyle/>
           <a:p>
             <a:pPr lvl="0">
@@ -2174,12 +2217,12 @@
               </a:defRPr>
             </a:pPr>
             <a:r>
-              <a:rPr sz="8400" dirty="0">
-                <a:solidFill>
-                  <a:srgbClr val="275D90"/>
-                </a:solidFill>
-              </a:rPr>
-              <a:t>Done since last meeting</a:t>
+              <a:rPr lang="en-US" sz="8400" noProof="0" dirty="0">
+                <a:solidFill>
+                  <a:srgbClr val="275D90"/>
+                </a:solidFill>
+              </a:rPr>
+              <a:t>Overview</a:t>
             </a:r>
           </a:p>
         </p:txBody>
@@ -2216,26 +2259,13 @@
               </a:defRPr>
             </a:pPr>
             <a:r>
-              <a:rPr lang="de-DE" sz="2435" dirty="0" err="1" smtClean="0">
-                <a:solidFill>
-                  <a:srgbClr val="275D90"/>
-                </a:solidFill>
-              </a:rPr>
-              <a:t>Theme</a:t>
-            </a:r>
-            <a:r>
-              <a:rPr lang="de-DE" sz="2435" dirty="0" smtClean="0">
-                <a:solidFill>
-                  <a:srgbClr val="275D90"/>
-                </a:solidFill>
-              </a:rPr>
-              <a:t> 1</a:t>
-            </a:r>
-            <a:endParaRPr sz="2435" dirty="0">
-              <a:solidFill>
-                <a:srgbClr val="275D90"/>
-              </a:solidFill>
-            </a:endParaRPr>
+              <a:rPr lang="en-US" sz="2435" noProof="0" dirty="0">
+                <a:solidFill>
+                  <a:srgbClr val="275D90"/>
+                </a:solidFill>
+              </a:rPr>
+              <a:t>Theme 1</a:t>
+            </a:r>
           </a:p>
           <a:p>
             <a:pPr marL="773429" lvl="1" indent="-331469" defTabSz="338835">
@@ -2249,18 +2279,13 @@
               </a:defRPr>
             </a:pPr>
             <a:r>
-              <a:rPr lang="de-DE" sz="2204" dirty="0" smtClean="0">
+              <a:rPr lang="en-US" sz="2204" noProof="0" dirty="0">
                 <a:solidFill>
                   <a:srgbClr val="275D90"/>
                 </a:solidFill>
               </a:rPr>
               <a:t>Item 1</a:t>
             </a:r>
-            <a:endParaRPr sz="2204" dirty="0">
-              <a:solidFill>
-                <a:srgbClr val="275D90"/>
-              </a:solidFill>
-            </a:endParaRPr>
           </a:p>
           <a:p>
             <a:pPr marL="773429" lvl="1" indent="-331469" defTabSz="338835">
@@ -2274,18 +2299,13 @@
               </a:defRPr>
             </a:pPr>
             <a:r>
-              <a:rPr lang="de-DE" sz="2204" dirty="0" smtClean="0">
+              <a:rPr lang="en-US" sz="2204" noProof="0" dirty="0">
                 <a:solidFill>
                   <a:srgbClr val="275D90"/>
                 </a:solidFill>
               </a:rPr>
               <a:t>Item 2</a:t>
             </a:r>
-            <a:endParaRPr sz="2204" dirty="0">
-              <a:solidFill>
-                <a:srgbClr val="275D90"/>
-              </a:solidFill>
-            </a:endParaRPr>
           </a:p>
           <a:p>
             <a:pPr marL="773429" lvl="1" indent="-331469" defTabSz="338835">
@@ -2299,7 +2319,7 @@
               </a:defRPr>
             </a:pPr>
             <a:r>
-              <a:rPr lang="de-DE" sz="2204" dirty="0" smtClean="0">
+              <a:rPr lang="en-US" sz="2204" noProof="0" dirty="0">
                 <a:solidFill>
                   <a:srgbClr val="275D90"/>
                 </a:solidFill>
@@ -2319,34 +2339,53 @@
               </a:defRPr>
             </a:pPr>
             <a:r>
-              <a:rPr lang="de-DE" sz="2435" dirty="0" err="1">
+              <a:rPr lang="en-US" sz="2435" noProof="0" dirty="0">
                 <a:solidFill>
                   <a:srgbClr val="00549F"/>
                 </a:solidFill>
               </a:rPr>
-              <a:t>Theme</a:t>
-            </a:r>
-            <a:r>
-              <a:rPr lang="de-DE" sz="2435" dirty="0">
+              <a:t>Theme 2</a:t>
+            </a:r>
+          </a:p>
+          <a:p>
+            <a:pPr marL="773429" lvl="1" indent="-331469" defTabSz="338835">
+              <a:spcBef>
+                <a:spcPts val="1300"/>
+              </a:spcBef>
+              <a:defRPr sz="1800">
+                <a:solidFill>
+                  <a:srgbClr val="000000"/>
+                </a:solidFill>
+              </a:defRPr>
+            </a:pPr>
+            <a:r>
+              <a:rPr lang="en-US" sz="2204" noProof="0" dirty="0">
                 <a:solidFill>
                   <a:srgbClr val="00549F"/>
                 </a:solidFill>
               </a:rPr>
-              <a:t> </a:t>
-            </a:r>
-            <a:r>
-              <a:rPr lang="de-DE" sz="2435" dirty="0" smtClean="0">
+              <a:t>Item 1</a:t>
+            </a:r>
+          </a:p>
+          <a:p>
+            <a:pPr marL="773429" lvl="1" indent="-331469" defTabSz="338835">
+              <a:spcBef>
+                <a:spcPts val="1300"/>
+              </a:spcBef>
+              <a:defRPr sz="1800">
+                <a:solidFill>
+                  <a:srgbClr val="000000"/>
+                </a:solidFill>
+              </a:defRPr>
+            </a:pPr>
+            <a:r>
+              <a:rPr lang="en-US" sz="2204" noProof="0" dirty="0">
                 <a:solidFill>
                   <a:srgbClr val="00549F"/>
                 </a:solidFill>
               </a:rPr>
-              <a:t>2</a:t>
-            </a:r>
-            <a:endParaRPr lang="de-DE" sz="2435" dirty="0">
-              <a:solidFill>
-                <a:srgbClr val="00549F"/>
-              </a:solidFill>
-            </a:endParaRPr>
+              <a:t>Item 2</a:t>
+            </a:r>
           </a:p>
           <a:p>
             <a:pPr marL="773429" lvl="1" indent="-331469" defTabSz="338835">
@@ -2360,11 +2399,51 @@
               </a:defRPr>
             </a:pPr>
             <a:r>
-              <a:rPr lang="de-DE" sz="2204" dirty="0">
+              <a:rPr lang="en-US" sz="2204" noProof="0" dirty="0">
                 <a:solidFill>
                   <a:srgbClr val="00549F"/>
                 </a:solidFill>
               </a:rPr>
+              <a:t>Item 3</a:t>
+            </a:r>
+          </a:p>
+          <a:p>
+            <a:pPr marL="515619" lvl="0" indent="-331469" defTabSz="338835">
+              <a:spcBef>
+                <a:spcPts val="1300"/>
+              </a:spcBef>
+              <a:defRPr sz="1800">
+                <a:solidFill>
+                  <a:srgbClr val="000000"/>
+                </a:solidFill>
+              </a:defRPr>
+            </a:pPr>
+            <a:r>
+              <a:rPr lang="en-US" sz="2435" noProof="0" dirty="0">
+                <a:solidFill>
+                  <a:srgbClr val="275D90"/>
+                </a:solidFill>
+              </a:rPr>
+              <a:t>Miscellanies</a:t>
+            </a:r>
+          </a:p>
+          <a:p>
+            <a:pPr marL="773429" lvl="1" indent="-331469" defTabSz="338835">
+              <a:spcBef>
+                <a:spcPts val="1300"/>
+              </a:spcBef>
+              <a:defRPr sz="1800">
+                <a:solidFill>
+                  <a:srgbClr val="000000"/>
+                </a:solidFill>
+              </a:defRPr>
+            </a:pPr>
+            <a:r>
+              <a:rPr lang="en-US" sz="2204" noProof="0" dirty="0">
+                <a:solidFill>
+                  <a:srgbClr val="275D90"/>
+                </a:solidFill>
+              </a:rPr>
               <a:t>Item 1</a:t>
             </a:r>
           </a:p>
@@ -2380,9 +2459,9 @@
               </a:defRPr>
             </a:pPr>
             <a:r>
-              <a:rPr lang="de-DE" sz="2204" dirty="0">
-                <a:solidFill>
-                  <a:srgbClr val="00549F"/>
+              <a:rPr lang="en-US" sz="2204" noProof="0" dirty="0">
+                <a:solidFill>
+                  <a:srgbClr val="275D90"/>
                 </a:solidFill>
               </a:rPr>
               <a:t>Item 2</a:t>
@@ -2400,29 +2479,17 @@
               </a:defRPr>
             </a:pPr>
             <a:r>
-              <a:rPr lang="de-DE" sz="2204" dirty="0">
-                <a:solidFill>
-                  <a:srgbClr val="00549F"/>
-                </a:solidFill>
-              </a:rPr>
-              <a:t>Item </a:t>
-            </a:r>
-            <a:r>
-              <a:rPr lang="de-DE" sz="2204" dirty="0" smtClean="0">
-                <a:solidFill>
-                  <a:srgbClr val="00549F"/>
-                </a:solidFill>
-              </a:rPr>
-              <a:t>3</a:t>
-            </a:r>
-            <a:endParaRPr sz="2204" dirty="0">
-              <a:solidFill>
-                <a:srgbClr val="00549F"/>
-              </a:solidFill>
-            </a:endParaRPr>
-          </a:p>
-          <a:p>
-            <a:pPr marL="515619" lvl="0" indent="-331469" defTabSz="338835">
+              <a:rPr lang="en-US" sz="2204" noProof="0" dirty="0">
+                <a:solidFill>
+                  <a:srgbClr val="275D90"/>
+                </a:solidFill>
+              </a:rPr>
+              <a:t>Item 3</a:t>
+            </a:r>
+            <a:endParaRPr lang="en-US" sz="2204" noProof="0" dirty="0"/>
+          </a:p>
+          <a:p>
+            <a:pPr marL="773429" lvl="1" indent="-331469" defTabSz="338835">
               <a:spcBef>
                 <a:spcPts val="1300"/>
               </a:spcBef>
@@ -2433,114 +2500,13 @@
               </a:defRPr>
             </a:pPr>
             <a:r>
-              <a:rPr sz="2435" dirty="0" smtClean="0">
-                <a:solidFill>
-                  <a:srgbClr val="275D90"/>
-                </a:solidFill>
-              </a:rPr>
-              <a:t>Miscellanies</a:t>
-            </a:r>
-            <a:endParaRPr sz="2435" dirty="0">
-              <a:solidFill>
-                <a:srgbClr val="275D90"/>
-              </a:solidFill>
-            </a:endParaRPr>
-          </a:p>
-          <a:p>
-            <a:pPr marL="773429" lvl="1" indent="-331469" defTabSz="338835">
-              <a:spcBef>
-                <a:spcPts val="1300"/>
-              </a:spcBef>
-              <a:defRPr sz="1800">
-                <a:solidFill>
-                  <a:srgbClr val="000000"/>
-                </a:solidFill>
-              </a:defRPr>
-            </a:pPr>
-            <a:r>
-              <a:rPr lang="de-DE" sz="2204" dirty="0" smtClean="0">
-                <a:solidFill>
-                  <a:srgbClr val="275D90"/>
-                </a:solidFill>
-              </a:rPr>
-              <a:t>Item 1</a:t>
-            </a:r>
-            <a:endParaRPr sz="2204" dirty="0">
-              <a:solidFill>
-                <a:srgbClr val="275D90"/>
-              </a:solidFill>
-            </a:endParaRPr>
-          </a:p>
-          <a:p>
-            <a:pPr marL="773429" lvl="1" indent="-331469" defTabSz="338835">
-              <a:spcBef>
-                <a:spcPts val="1300"/>
-              </a:spcBef>
-              <a:defRPr sz="1800">
-                <a:solidFill>
-                  <a:srgbClr val="000000"/>
-                </a:solidFill>
-              </a:defRPr>
-            </a:pPr>
-            <a:r>
-              <a:rPr lang="de-DE" sz="2204" dirty="0" smtClean="0">
-                <a:solidFill>
-                  <a:srgbClr val="275D90"/>
-                </a:solidFill>
-              </a:rPr>
-              <a:t>Item 2</a:t>
-            </a:r>
-            <a:endParaRPr sz="2204" dirty="0">
-              <a:solidFill>
-                <a:srgbClr val="275D90"/>
-              </a:solidFill>
-            </a:endParaRPr>
-          </a:p>
-          <a:p>
-            <a:pPr marL="773429" lvl="1" indent="-331469" defTabSz="338835">
-              <a:spcBef>
-                <a:spcPts val="1300"/>
-              </a:spcBef>
-              <a:defRPr sz="1800">
-                <a:solidFill>
-                  <a:srgbClr val="000000"/>
-                </a:solidFill>
-              </a:defRPr>
-            </a:pPr>
-            <a:r>
-              <a:rPr lang="de-DE" sz="2204" dirty="0" smtClean="0">
-                <a:solidFill>
-                  <a:srgbClr val="275D90"/>
-                </a:solidFill>
-              </a:rPr>
-              <a:t>Item 3</a:t>
-            </a:r>
-            <a:endParaRPr lang="de-DE" sz="2204" dirty="0"/>
-          </a:p>
-          <a:p>
-            <a:pPr marL="773429" lvl="1" indent="-331469" defTabSz="338835">
-              <a:spcBef>
-                <a:spcPts val="1300"/>
-              </a:spcBef>
-              <a:defRPr sz="1800">
-                <a:solidFill>
-                  <a:srgbClr val="000000"/>
-                </a:solidFill>
-              </a:defRPr>
-            </a:pPr>
-            <a:r>
-              <a:rPr lang="de-DE" sz="2204" dirty="0" smtClean="0">
+              <a:rPr lang="en-US" sz="2204" noProof="0" dirty="0">
                 <a:solidFill>
                   <a:srgbClr val="275D90"/>
                 </a:solidFill>
               </a:rPr>
               <a:t>Item 4</a:t>
             </a:r>
-            <a:endParaRPr sz="2204" dirty="0">
-              <a:solidFill>
-                <a:srgbClr val="275D90"/>
-              </a:solidFill>
-            </a:endParaRPr>
           </a:p>
         </p:txBody>
       </p:sp>
@@ -2560,10 +2526,9 @@
           <a:lstStyle/>
           <a:p>
             <a:r>
-              <a:rPr lang="en-US" dirty="0" smtClean="0"/>
+              <a:rPr lang="en-US" dirty="0"/>
               <a:t>Author-Title</a:t>
             </a:r>
-            <a:endParaRPr lang="en-US" dirty="0"/>
           </a:p>
         </p:txBody>
       </p:sp>
@@ -2587,7 +2552,7 @@
           </a:prstGeom>
           <a:extLst>
             <a:ext uri="{C572A759-6A51-4108-AA02-DFA0A04FC94B}">
-              <ma14:wrappingTextBoxFlag xmlns:ma14="http://schemas.microsoft.com/office/mac/drawingml/2011/main" val="1"/>
+              <ma14:wrappingTextBoxFlag xmlns="" xmlns:ma14="http://schemas.microsoft.com/office/mac/drawingml/2011/main" val="1"/>
             </a:ext>
           </a:extLst>
         </p:spPr>
@@ -2623,18 +2588,1291 @@
   <p:clrMapOvr>
     <a:masterClrMapping/>
   </p:clrMapOvr>
-  <p:transition xmlns:p14="http://schemas.microsoft.com/office/powerpoint/2010/main" spd="med"/>
-  <p:timing>
-    <p:tnLst>
-      <p:par>
-        <p:cTn xmlns:p14="http://schemas.microsoft.com/office/powerpoint/2010/main" id="1" dur="indefinite" restart="never" nodeType="tmRoot"/>
-      </p:par>
-    </p:tnLst>
-  </p:timing>
+  <p:transition spd="med"/>
 </p:sld>
 </file>
 
 <file path=ppt/slides/slide3.xml><?xml version="1.0" encoding="utf-8"?>
+<p:sld xmlns:a="http://schemas.openxmlformats.org/drawingml/2006/main" xmlns:r="http://schemas.openxmlformats.org/officeDocument/2006/relationships" xmlns:p="http://schemas.openxmlformats.org/presentationml/2006/main">
+  <p:cSld>
+    <p:spTree>
+      <p:nvGrpSpPr>
+        <p:cNvPr id="1" name=""/>
+        <p:cNvGrpSpPr/>
+        <p:nvPr/>
+      </p:nvGrpSpPr>
+      <p:grpSpPr>
+        <a:xfrm>
+          <a:off x="0" y="0"/>
+          <a:ext cx="0" cy="0"/>
+          <a:chOff x="0" y="0"/>
+          <a:chExt cx="0" cy="0"/>
+        </a:xfrm>
+      </p:grpSpPr>
+      <p:sp>
+        <p:nvSpPr>
+          <p:cNvPr id="78" name="Shape 78"/>
+          <p:cNvSpPr>
+            <a:spLocks noGrp="1"/>
+          </p:cNvSpPr>
+          <p:nvPr>
+            <p:ph type="title"/>
+          </p:nvPr>
+        </p:nvSpPr>
+        <p:spPr>
+          <a:prstGeom prst="rect">
+            <a:avLst/>
+          </a:prstGeom>
+        </p:spPr>
+        <p:txBody>
+          <a:bodyPr>
+            <a:normAutofit/>
+          </a:bodyPr>
+          <a:lstStyle/>
+          <a:p>
+            <a:pPr lvl="0">
+              <a:defRPr sz="1800">
+                <a:solidFill>
+                  <a:srgbClr val="000000"/>
+                </a:solidFill>
+              </a:defRPr>
+            </a:pPr>
+            <a:r>
+              <a:rPr lang="en-US" sz="8400" noProof="0" dirty="0">
+                <a:solidFill>
+                  <a:srgbClr val="275D90"/>
+                </a:solidFill>
+              </a:rPr>
+              <a:t>Gamification</a:t>
+            </a:r>
+          </a:p>
+        </p:txBody>
+      </p:sp>
+      <p:sp>
+        <p:nvSpPr>
+          <p:cNvPr id="7" name="Shape 83"/>
+          <p:cNvSpPr>
+            <a:spLocks noGrp="1"/>
+          </p:cNvSpPr>
+          <p:nvPr>
+            <p:ph type="body" idx="1"/>
+          </p:nvPr>
+        </p:nvSpPr>
+        <p:spPr>
+          <a:prstGeom prst="rect">
+            <a:avLst/>
+          </a:prstGeom>
+        </p:spPr>
+        <p:txBody>
+          <a:bodyPr>
+            <a:normAutofit/>
+          </a:bodyPr>
+          <a:lstStyle/>
+          <a:p>
+            <a:pPr marL="515619" lvl="0" indent="-331469" defTabSz="338835">
+              <a:spcBef>
+                <a:spcPts val="1300"/>
+              </a:spcBef>
+              <a:defRPr sz="1800">
+                <a:solidFill>
+                  <a:srgbClr val="000000"/>
+                </a:solidFill>
+              </a:defRPr>
+            </a:pPr>
+            <a:r>
+              <a:rPr lang="en-US" sz="2435" noProof="0" dirty="0">
+                <a:solidFill>
+                  <a:srgbClr val="275D90"/>
+                </a:solidFill>
+              </a:rPr>
+              <a:t>Theme 1</a:t>
+            </a:r>
+          </a:p>
+          <a:p>
+            <a:pPr marL="773429" lvl="1" indent="-331469" defTabSz="338835">
+              <a:spcBef>
+                <a:spcPts val="1300"/>
+              </a:spcBef>
+              <a:defRPr sz="1800">
+                <a:solidFill>
+                  <a:srgbClr val="000000"/>
+                </a:solidFill>
+              </a:defRPr>
+            </a:pPr>
+            <a:r>
+              <a:rPr lang="en-US" sz="2204" noProof="0" dirty="0">
+                <a:solidFill>
+                  <a:srgbClr val="275D90"/>
+                </a:solidFill>
+              </a:rPr>
+              <a:t>Item 1</a:t>
+            </a:r>
+          </a:p>
+          <a:p>
+            <a:pPr marL="773429" lvl="1" indent="-331469" defTabSz="338835">
+              <a:spcBef>
+                <a:spcPts val="1300"/>
+              </a:spcBef>
+              <a:defRPr sz="1800">
+                <a:solidFill>
+                  <a:srgbClr val="000000"/>
+                </a:solidFill>
+              </a:defRPr>
+            </a:pPr>
+            <a:r>
+              <a:rPr lang="en-US" sz="2204" noProof="0" dirty="0">
+                <a:solidFill>
+                  <a:srgbClr val="275D90"/>
+                </a:solidFill>
+              </a:rPr>
+              <a:t>Item 2</a:t>
+            </a:r>
+          </a:p>
+          <a:p>
+            <a:pPr marL="773429" lvl="1" indent="-331469" defTabSz="338835">
+              <a:spcBef>
+                <a:spcPts val="1300"/>
+              </a:spcBef>
+              <a:defRPr sz="1800">
+                <a:solidFill>
+                  <a:srgbClr val="000000"/>
+                </a:solidFill>
+              </a:defRPr>
+            </a:pPr>
+            <a:r>
+              <a:rPr lang="en-US" sz="2204" noProof="0" dirty="0">
+                <a:solidFill>
+                  <a:srgbClr val="275D90"/>
+                </a:solidFill>
+              </a:rPr>
+              <a:t>Item 3</a:t>
+            </a:r>
+          </a:p>
+          <a:p>
+            <a:pPr marL="515619" lvl="0" indent="-331469" defTabSz="338835">
+              <a:spcBef>
+                <a:spcPts val="1300"/>
+              </a:spcBef>
+              <a:defRPr sz="1800">
+                <a:solidFill>
+                  <a:srgbClr val="000000"/>
+                </a:solidFill>
+              </a:defRPr>
+            </a:pPr>
+            <a:r>
+              <a:rPr lang="en-US" sz="2435" noProof="0" dirty="0">
+                <a:solidFill>
+                  <a:srgbClr val="00549F"/>
+                </a:solidFill>
+              </a:rPr>
+              <a:t>Theme 2</a:t>
+            </a:r>
+          </a:p>
+          <a:p>
+            <a:pPr marL="773429" lvl="1" indent="-331469" defTabSz="338835">
+              <a:spcBef>
+                <a:spcPts val="1300"/>
+              </a:spcBef>
+              <a:defRPr sz="1800">
+                <a:solidFill>
+                  <a:srgbClr val="000000"/>
+                </a:solidFill>
+              </a:defRPr>
+            </a:pPr>
+            <a:r>
+              <a:rPr lang="en-US" sz="2204" noProof="0" dirty="0">
+                <a:solidFill>
+                  <a:srgbClr val="00549F"/>
+                </a:solidFill>
+              </a:rPr>
+              <a:t>Item 1</a:t>
+            </a:r>
+          </a:p>
+          <a:p>
+            <a:pPr marL="773429" lvl="1" indent="-331469" defTabSz="338835">
+              <a:spcBef>
+                <a:spcPts val="1300"/>
+              </a:spcBef>
+              <a:defRPr sz="1800">
+                <a:solidFill>
+                  <a:srgbClr val="000000"/>
+                </a:solidFill>
+              </a:defRPr>
+            </a:pPr>
+            <a:r>
+              <a:rPr lang="en-US" sz="2204" noProof="0" dirty="0">
+                <a:solidFill>
+                  <a:srgbClr val="00549F"/>
+                </a:solidFill>
+              </a:rPr>
+              <a:t>Item 2</a:t>
+            </a:r>
+          </a:p>
+          <a:p>
+            <a:pPr marL="773429" lvl="1" indent="-331469" defTabSz="338835">
+              <a:spcBef>
+                <a:spcPts val="1300"/>
+              </a:spcBef>
+              <a:defRPr sz="1800">
+                <a:solidFill>
+                  <a:srgbClr val="000000"/>
+                </a:solidFill>
+              </a:defRPr>
+            </a:pPr>
+            <a:r>
+              <a:rPr lang="en-US" sz="2204" noProof="0" dirty="0">
+                <a:solidFill>
+                  <a:srgbClr val="00549F"/>
+                </a:solidFill>
+              </a:rPr>
+              <a:t>Item 3</a:t>
+            </a:r>
+          </a:p>
+          <a:p>
+            <a:pPr marL="515619" lvl="0" indent="-331469" defTabSz="338835">
+              <a:spcBef>
+                <a:spcPts val="1300"/>
+              </a:spcBef>
+              <a:defRPr sz="1800">
+                <a:solidFill>
+                  <a:srgbClr val="000000"/>
+                </a:solidFill>
+              </a:defRPr>
+            </a:pPr>
+            <a:r>
+              <a:rPr lang="en-US" sz="2435" noProof="0" dirty="0">
+                <a:solidFill>
+                  <a:srgbClr val="275D90"/>
+                </a:solidFill>
+              </a:rPr>
+              <a:t>Miscellanies</a:t>
+            </a:r>
+          </a:p>
+          <a:p>
+            <a:pPr marL="773429" lvl="1" indent="-331469" defTabSz="338835">
+              <a:spcBef>
+                <a:spcPts val="1300"/>
+              </a:spcBef>
+              <a:defRPr sz="1800">
+                <a:solidFill>
+                  <a:srgbClr val="000000"/>
+                </a:solidFill>
+              </a:defRPr>
+            </a:pPr>
+            <a:r>
+              <a:rPr lang="en-US" sz="2204" noProof="0" dirty="0">
+                <a:solidFill>
+                  <a:srgbClr val="275D90"/>
+                </a:solidFill>
+              </a:rPr>
+              <a:t>Item 1</a:t>
+            </a:r>
+          </a:p>
+          <a:p>
+            <a:pPr marL="773429" lvl="1" indent="-331469" defTabSz="338835">
+              <a:spcBef>
+                <a:spcPts val="1300"/>
+              </a:spcBef>
+              <a:defRPr sz="1800">
+                <a:solidFill>
+                  <a:srgbClr val="000000"/>
+                </a:solidFill>
+              </a:defRPr>
+            </a:pPr>
+            <a:r>
+              <a:rPr lang="en-US" sz="2204" noProof="0" dirty="0">
+                <a:solidFill>
+                  <a:srgbClr val="275D90"/>
+                </a:solidFill>
+              </a:rPr>
+              <a:t>Item 2</a:t>
+            </a:r>
+          </a:p>
+          <a:p>
+            <a:pPr marL="773429" lvl="1" indent="-331469" defTabSz="338835">
+              <a:spcBef>
+                <a:spcPts val="1300"/>
+              </a:spcBef>
+              <a:defRPr sz="1800">
+                <a:solidFill>
+                  <a:srgbClr val="000000"/>
+                </a:solidFill>
+              </a:defRPr>
+            </a:pPr>
+            <a:r>
+              <a:rPr lang="en-US" sz="2204" noProof="0" dirty="0">
+                <a:solidFill>
+                  <a:srgbClr val="275D90"/>
+                </a:solidFill>
+              </a:rPr>
+              <a:t>Item 3</a:t>
+            </a:r>
+            <a:endParaRPr lang="en-US" sz="2204" noProof="0" dirty="0"/>
+          </a:p>
+          <a:p>
+            <a:pPr marL="773429" lvl="1" indent="-331469" defTabSz="338835">
+              <a:spcBef>
+                <a:spcPts val="1300"/>
+              </a:spcBef>
+              <a:defRPr sz="1800">
+                <a:solidFill>
+                  <a:srgbClr val="000000"/>
+                </a:solidFill>
+              </a:defRPr>
+            </a:pPr>
+            <a:r>
+              <a:rPr lang="en-US" sz="2204" noProof="0" dirty="0">
+                <a:solidFill>
+                  <a:srgbClr val="275D90"/>
+                </a:solidFill>
+              </a:rPr>
+              <a:t>Item 4</a:t>
+            </a:r>
+          </a:p>
+        </p:txBody>
+      </p:sp>
+      <p:sp>
+        <p:nvSpPr>
+          <p:cNvPr id="3" name="Footer Placeholder 2"/>
+          <p:cNvSpPr>
+            <a:spLocks noGrp="1"/>
+          </p:cNvSpPr>
+          <p:nvPr>
+            <p:ph type="ftr" sz="quarter" idx="10"/>
+          </p:nvPr>
+        </p:nvSpPr>
+        <p:spPr/>
+        <p:txBody>
+          <a:bodyPr/>
+          <a:lstStyle/>
+          <a:p>
+            <a:r>
+              <a:rPr lang="en-US" dirty="0"/>
+              <a:t>Author-Title</a:t>
+            </a:r>
+          </a:p>
+        </p:txBody>
+      </p:sp>
+      <p:sp>
+        <p:nvSpPr>
+          <p:cNvPr id="80" name="Shape 80"/>
+          <p:cNvSpPr>
+            <a:spLocks noGrp="1"/>
+          </p:cNvSpPr>
+          <p:nvPr>
+            <p:ph type="sldNum" sz="quarter" idx="4"/>
+          </p:nvPr>
+        </p:nvSpPr>
+        <p:spPr>
+          <a:xfrm>
+            <a:off x="3543300" y="9029700"/>
+            <a:ext cx="266701" cy="457200"/>
+          </a:xfrm>
+          <a:prstGeom prst="rect">
+            <a:avLst/>
+          </a:prstGeom>
+          <a:extLst>
+            <a:ext uri="{C572A759-6A51-4108-AA02-DFA0A04FC94B}">
+              <ma14:wrappingTextBoxFlag xmlns="" xmlns:ma14="http://schemas.microsoft.com/office/mac/drawingml/2011/main" val="1"/>
+            </a:ext>
+          </a:extLst>
+        </p:spPr>
+        <p:txBody>
+          <a:bodyPr/>
+          <a:lstStyle/>
+          <a:p>
+            <a:pPr lvl="0">
+              <a:defRPr sz="1800">
+                <a:solidFill>
+                  <a:srgbClr val="000000"/>
+                </a:solidFill>
+              </a:defRPr>
+            </a:pPr>
+            <a:fld id="{86CB4B4D-7CA3-9044-876B-883B54F8677D}" type="slidenum">
+              <a:rPr sz="2400">
+                <a:solidFill>
+                  <a:srgbClr val="275D90"/>
+                </a:solidFill>
+              </a:rPr>
+              <a:t>3</a:t>
+            </a:fld>
+            <a:endParaRPr sz="2400">
+              <a:solidFill>
+                <a:srgbClr val="275D90"/>
+              </a:solidFill>
+            </a:endParaRPr>
+          </a:p>
+        </p:txBody>
+      </p:sp>
+    </p:spTree>
+    <p:extLst>
+      <p:ext uri="{BB962C8B-B14F-4D97-AF65-F5344CB8AC3E}">
+        <p14:creationId xmlns:p14="http://schemas.microsoft.com/office/powerpoint/2010/main" val="2039557359"/>
+      </p:ext>
+    </p:extLst>
+  </p:cSld>
+  <p:clrMapOvr>
+    <a:masterClrMapping/>
+  </p:clrMapOvr>
+  <p:transition spd="med"/>
+</p:sld>
+</file>
+
+<file path=ppt/slides/slide4.xml><?xml version="1.0" encoding="utf-8"?>
+<p:sld xmlns:a="http://schemas.openxmlformats.org/drawingml/2006/main" xmlns:r="http://schemas.openxmlformats.org/officeDocument/2006/relationships" xmlns:p="http://schemas.openxmlformats.org/presentationml/2006/main">
+  <p:cSld>
+    <p:spTree>
+      <p:nvGrpSpPr>
+        <p:cNvPr id="1" name=""/>
+        <p:cNvGrpSpPr/>
+        <p:nvPr/>
+      </p:nvGrpSpPr>
+      <p:grpSpPr>
+        <a:xfrm>
+          <a:off x="0" y="0"/>
+          <a:ext cx="0" cy="0"/>
+          <a:chOff x="0" y="0"/>
+          <a:chExt cx="0" cy="0"/>
+        </a:xfrm>
+      </p:grpSpPr>
+      <p:sp>
+        <p:nvSpPr>
+          <p:cNvPr id="78" name="Shape 78"/>
+          <p:cNvSpPr>
+            <a:spLocks noGrp="1"/>
+          </p:cNvSpPr>
+          <p:nvPr>
+            <p:ph type="title"/>
+          </p:nvPr>
+        </p:nvSpPr>
+        <p:spPr>
+          <a:xfrm>
+            <a:off x="177800" y="0"/>
+            <a:ext cx="12636500" cy="1612900"/>
+          </a:xfrm>
+          <a:prstGeom prst="rect">
+            <a:avLst/>
+          </a:prstGeom>
+        </p:spPr>
+        <p:txBody>
+          <a:bodyPr wrap="none">
+            <a:normAutofit/>
+          </a:bodyPr>
+          <a:lstStyle/>
+          <a:p>
+            <a:pPr lvl="0">
+              <a:defRPr sz="1800">
+                <a:solidFill>
+                  <a:srgbClr val="000000"/>
+                </a:solidFill>
+              </a:defRPr>
+            </a:pPr>
+            <a:r>
+              <a:rPr lang="en-US" sz="7200" noProof="0" dirty="0">
+                <a:solidFill>
+                  <a:srgbClr val="275D90"/>
+                </a:solidFill>
+              </a:rPr>
+              <a:t>Secure Multi-Party Computation</a:t>
+            </a:r>
+          </a:p>
+        </p:txBody>
+      </p:sp>
+      <p:sp>
+        <p:nvSpPr>
+          <p:cNvPr id="7" name="Shape 83"/>
+          <p:cNvSpPr>
+            <a:spLocks noGrp="1"/>
+          </p:cNvSpPr>
+          <p:nvPr>
+            <p:ph type="body" idx="1"/>
+          </p:nvPr>
+        </p:nvSpPr>
+        <p:spPr>
+          <a:prstGeom prst="rect">
+            <a:avLst/>
+          </a:prstGeom>
+        </p:spPr>
+        <p:txBody>
+          <a:bodyPr>
+            <a:normAutofit/>
+          </a:bodyPr>
+          <a:lstStyle/>
+          <a:p>
+            <a:pPr marL="515619" lvl="0" indent="-331469" defTabSz="338835">
+              <a:spcBef>
+                <a:spcPts val="1300"/>
+              </a:spcBef>
+              <a:defRPr sz="1800">
+                <a:solidFill>
+                  <a:srgbClr val="000000"/>
+                </a:solidFill>
+              </a:defRPr>
+            </a:pPr>
+            <a:r>
+              <a:rPr lang="en-US" sz="2435" noProof="0" dirty="0">
+                <a:solidFill>
+                  <a:srgbClr val="275D90"/>
+                </a:solidFill>
+              </a:rPr>
+              <a:t>Theme 1</a:t>
+            </a:r>
+          </a:p>
+          <a:p>
+            <a:pPr marL="773429" lvl="1" indent="-331469" defTabSz="338835">
+              <a:spcBef>
+                <a:spcPts val="1300"/>
+              </a:spcBef>
+              <a:defRPr sz="1800">
+                <a:solidFill>
+                  <a:srgbClr val="000000"/>
+                </a:solidFill>
+              </a:defRPr>
+            </a:pPr>
+            <a:r>
+              <a:rPr lang="en-US" sz="2204" noProof="0" dirty="0">
+                <a:solidFill>
+                  <a:srgbClr val="275D90"/>
+                </a:solidFill>
+              </a:rPr>
+              <a:t>Item 1</a:t>
+            </a:r>
+          </a:p>
+          <a:p>
+            <a:pPr marL="773429" lvl="1" indent="-331469" defTabSz="338835">
+              <a:spcBef>
+                <a:spcPts val="1300"/>
+              </a:spcBef>
+              <a:defRPr sz="1800">
+                <a:solidFill>
+                  <a:srgbClr val="000000"/>
+                </a:solidFill>
+              </a:defRPr>
+            </a:pPr>
+            <a:r>
+              <a:rPr lang="en-US" sz="2204" noProof="0" dirty="0">
+                <a:solidFill>
+                  <a:srgbClr val="275D90"/>
+                </a:solidFill>
+              </a:rPr>
+              <a:t>Item 2</a:t>
+            </a:r>
+          </a:p>
+          <a:p>
+            <a:pPr marL="773429" lvl="1" indent="-331469" defTabSz="338835">
+              <a:spcBef>
+                <a:spcPts val="1300"/>
+              </a:spcBef>
+              <a:defRPr sz="1800">
+                <a:solidFill>
+                  <a:srgbClr val="000000"/>
+                </a:solidFill>
+              </a:defRPr>
+            </a:pPr>
+            <a:r>
+              <a:rPr lang="en-US" sz="2204" noProof="0" dirty="0">
+                <a:solidFill>
+                  <a:srgbClr val="275D90"/>
+                </a:solidFill>
+              </a:rPr>
+              <a:t>Item 3</a:t>
+            </a:r>
+          </a:p>
+          <a:p>
+            <a:pPr marL="515619" lvl="0" indent="-331469" defTabSz="338835">
+              <a:spcBef>
+                <a:spcPts val="1300"/>
+              </a:spcBef>
+              <a:defRPr sz="1800">
+                <a:solidFill>
+                  <a:srgbClr val="000000"/>
+                </a:solidFill>
+              </a:defRPr>
+            </a:pPr>
+            <a:r>
+              <a:rPr lang="en-US" sz="2435" noProof="0" dirty="0">
+                <a:solidFill>
+                  <a:srgbClr val="00549F"/>
+                </a:solidFill>
+              </a:rPr>
+              <a:t>Theme 2</a:t>
+            </a:r>
+          </a:p>
+          <a:p>
+            <a:pPr marL="773429" lvl="1" indent="-331469" defTabSz="338835">
+              <a:spcBef>
+                <a:spcPts val="1300"/>
+              </a:spcBef>
+              <a:defRPr sz="1800">
+                <a:solidFill>
+                  <a:srgbClr val="000000"/>
+                </a:solidFill>
+              </a:defRPr>
+            </a:pPr>
+            <a:r>
+              <a:rPr lang="en-US" sz="2204" noProof="0" dirty="0">
+                <a:solidFill>
+                  <a:srgbClr val="00549F"/>
+                </a:solidFill>
+              </a:rPr>
+              <a:t>Item 1</a:t>
+            </a:r>
+          </a:p>
+          <a:p>
+            <a:pPr marL="773429" lvl="1" indent="-331469" defTabSz="338835">
+              <a:spcBef>
+                <a:spcPts val="1300"/>
+              </a:spcBef>
+              <a:defRPr sz="1800">
+                <a:solidFill>
+                  <a:srgbClr val="000000"/>
+                </a:solidFill>
+              </a:defRPr>
+            </a:pPr>
+            <a:r>
+              <a:rPr lang="en-US" sz="2204" noProof="0" dirty="0">
+                <a:solidFill>
+                  <a:srgbClr val="00549F"/>
+                </a:solidFill>
+              </a:rPr>
+              <a:t>Item 2</a:t>
+            </a:r>
+          </a:p>
+          <a:p>
+            <a:pPr marL="773429" lvl="1" indent="-331469" defTabSz="338835">
+              <a:spcBef>
+                <a:spcPts val="1300"/>
+              </a:spcBef>
+              <a:defRPr sz="1800">
+                <a:solidFill>
+                  <a:srgbClr val="000000"/>
+                </a:solidFill>
+              </a:defRPr>
+            </a:pPr>
+            <a:r>
+              <a:rPr lang="en-US" sz="2204" noProof="0" dirty="0">
+                <a:solidFill>
+                  <a:srgbClr val="00549F"/>
+                </a:solidFill>
+              </a:rPr>
+              <a:t>Item 3</a:t>
+            </a:r>
+          </a:p>
+          <a:p>
+            <a:pPr marL="515619" lvl="0" indent="-331469" defTabSz="338835">
+              <a:spcBef>
+                <a:spcPts val="1300"/>
+              </a:spcBef>
+              <a:defRPr sz="1800">
+                <a:solidFill>
+                  <a:srgbClr val="000000"/>
+                </a:solidFill>
+              </a:defRPr>
+            </a:pPr>
+            <a:r>
+              <a:rPr lang="en-US" sz="2435" noProof="0" dirty="0">
+                <a:solidFill>
+                  <a:srgbClr val="275D90"/>
+                </a:solidFill>
+              </a:rPr>
+              <a:t>Miscellanies</a:t>
+            </a:r>
+          </a:p>
+          <a:p>
+            <a:pPr marL="773429" lvl="1" indent="-331469" defTabSz="338835">
+              <a:spcBef>
+                <a:spcPts val="1300"/>
+              </a:spcBef>
+              <a:defRPr sz="1800">
+                <a:solidFill>
+                  <a:srgbClr val="000000"/>
+                </a:solidFill>
+              </a:defRPr>
+            </a:pPr>
+            <a:r>
+              <a:rPr lang="en-US" sz="2204" noProof="0" dirty="0">
+                <a:solidFill>
+                  <a:srgbClr val="275D90"/>
+                </a:solidFill>
+              </a:rPr>
+              <a:t>Item 1</a:t>
+            </a:r>
+          </a:p>
+          <a:p>
+            <a:pPr marL="773429" lvl="1" indent="-331469" defTabSz="338835">
+              <a:spcBef>
+                <a:spcPts val="1300"/>
+              </a:spcBef>
+              <a:defRPr sz="1800">
+                <a:solidFill>
+                  <a:srgbClr val="000000"/>
+                </a:solidFill>
+              </a:defRPr>
+            </a:pPr>
+            <a:r>
+              <a:rPr lang="en-US" sz="2204" noProof="0" dirty="0">
+                <a:solidFill>
+                  <a:srgbClr val="275D90"/>
+                </a:solidFill>
+              </a:rPr>
+              <a:t>Item 2</a:t>
+            </a:r>
+          </a:p>
+          <a:p>
+            <a:pPr marL="773429" lvl="1" indent="-331469" defTabSz="338835">
+              <a:spcBef>
+                <a:spcPts val="1300"/>
+              </a:spcBef>
+              <a:defRPr sz="1800">
+                <a:solidFill>
+                  <a:srgbClr val="000000"/>
+                </a:solidFill>
+              </a:defRPr>
+            </a:pPr>
+            <a:r>
+              <a:rPr lang="en-US" sz="2204" noProof="0" dirty="0">
+                <a:solidFill>
+                  <a:srgbClr val="275D90"/>
+                </a:solidFill>
+              </a:rPr>
+              <a:t>Item 3</a:t>
+            </a:r>
+            <a:endParaRPr lang="en-US" sz="2204" noProof="0" dirty="0"/>
+          </a:p>
+          <a:p>
+            <a:pPr marL="773429" lvl="1" indent="-331469" defTabSz="338835">
+              <a:spcBef>
+                <a:spcPts val="1300"/>
+              </a:spcBef>
+              <a:defRPr sz="1800">
+                <a:solidFill>
+                  <a:srgbClr val="000000"/>
+                </a:solidFill>
+              </a:defRPr>
+            </a:pPr>
+            <a:r>
+              <a:rPr lang="en-US" sz="2204" noProof="0" dirty="0">
+                <a:solidFill>
+                  <a:srgbClr val="275D90"/>
+                </a:solidFill>
+              </a:rPr>
+              <a:t>Item 4</a:t>
+            </a:r>
+          </a:p>
+        </p:txBody>
+      </p:sp>
+      <p:sp>
+        <p:nvSpPr>
+          <p:cNvPr id="3" name="Footer Placeholder 2"/>
+          <p:cNvSpPr>
+            <a:spLocks noGrp="1"/>
+          </p:cNvSpPr>
+          <p:nvPr>
+            <p:ph type="ftr" sz="quarter" idx="10"/>
+          </p:nvPr>
+        </p:nvSpPr>
+        <p:spPr/>
+        <p:txBody>
+          <a:bodyPr/>
+          <a:lstStyle/>
+          <a:p>
+            <a:r>
+              <a:rPr lang="en-US" dirty="0"/>
+              <a:t>Author-Title</a:t>
+            </a:r>
+          </a:p>
+        </p:txBody>
+      </p:sp>
+      <p:sp>
+        <p:nvSpPr>
+          <p:cNvPr id="80" name="Shape 80"/>
+          <p:cNvSpPr>
+            <a:spLocks noGrp="1"/>
+          </p:cNvSpPr>
+          <p:nvPr>
+            <p:ph type="sldNum" sz="quarter" idx="4"/>
+          </p:nvPr>
+        </p:nvSpPr>
+        <p:spPr>
+          <a:xfrm>
+            <a:off x="3543300" y="9029700"/>
+            <a:ext cx="266701" cy="457200"/>
+          </a:xfrm>
+          <a:prstGeom prst="rect">
+            <a:avLst/>
+          </a:prstGeom>
+          <a:extLst>
+            <a:ext uri="{C572A759-6A51-4108-AA02-DFA0A04FC94B}">
+              <ma14:wrappingTextBoxFlag xmlns="" xmlns:ma14="http://schemas.microsoft.com/office/mac/drawingml/2011/main" val="1"/>
+            </a:ext>
+          </a:extLst>
+        </p:spPr>
+        <p:txBody>
+          <a:bodyPr/>
+          <a:lstStyle/>
+          <a:p>
+            <a:pPr lvl="0">
+              <a:defRPr sz="1800">
+                <a:solidFill>
+                  <a:srgbClr val="000000"/>
+                </a:solidFill>
+              </a:defRPr>
+            </a:pPr>
+            <a:fld id="{86CB4B4D-7CA3-9044-876B-883B54F8677D}" type="slidenum">
+              <a:rPr sz="2400">
+                <a:solidFill>
+                  <a:srgbClr val="275D90"/>
+                </a:solidFill>
+              </a:rPr>
+              <a:t>4</a:t>
+            </a:fld>
+            <a:endParaRPr sz="2400">
+              <a:solidFill>
+                <a:srgbClr val="275D90"/>
+              </a:solidFill>
+            </a:endParaRPr>
+          </a:p>
+        </p:txBody>
+      </p:sp>
+    </p:spTree>
+    <p:extLst>
+      <p:ext uri="{BB962C8B-B14F-4D97-AF65-F5344CB8AC3E}">
+        <p14:creationId xmlns:p14="http://schemas.microsoft.com/office/powerpoint/2010/main" val="495847223"/>
+      </p:ext>
+    </p:extLst>
+  </p:cSld>
+  <p:clrMapOvr>
+    <a:masterClrMapping/>
+  </p:clrMapOvr>
+  <p:transition spd="med"/>
+</p:sld>
+</file>
+
+<file path=ppt/slides/slide5.xml><?xml version="1.0" encoding="utf-8"?>
+<p:sld xmlns:a="http://schemas.openxmlformats.org/drawingml/2006/main" xmlns:r="http://schemas.openxmlformats.org/officeDocument/2006/relationships" xmlns:p="http://schemas.openxmlformats.org/presentationml/2006/main">
+  <p:cSld>
+    <p:spTree>
+      <p:nvGrpSpPr>
+        <p:cNvPr id="1" name=""/>
+        <p:cNvGrpSpPr/>
+        <p:nvPr/>
+      </p:nvGrpSpPr>
+      <p:grpSpPr>
+        <a:xfrm>
+          <a:off x="0" y="0"/>
+          <a:ext cx="0" cy="0"/>
+          <a:chOff x="0" y="0"/>
+          <a:chExt cx="0" cy="0"/>
+        </a:xfrm>
+      </p:grpSpPr>
+      <p:sp>
+        <p:nvSpPr>
+          <p:cNvPr id="78" name="Shape 78"/>
+          <p:cNvSpPr>
+            <a:spLocks noGrp="1"/>
+          </p:cNvSpPr>
+          <p:nvPr>
+            <p:ph type="title"/>
+          </p:nvPr>
+        </p:nvSpPr>
+        <p:spPr>
+          <a:prstGeom prst="rect">
+            <a:avLst/>
+          </a:prstGeom>
+        </p:spPr>
+        <p:txBody>
+          <a:bodyPr/>
+          <a:lstStyle/>
+          <a:p>
+            <a:pPr lvl="0">
+              <a:defRPr sz="1800">
+                <a:solidFill>
+                  <a:srgbClr val="000000"/>
+                </a:solidFill>
+              </a:defRPr>
+            </a:pPr>
+            <a:r>
+              <a:rPr lang="en-US" sz="8400" noProof="0" dirty="0">
+                <a:solidFill>
+                  <a:srgbClr val="275D90"/>
+                </a:solidFill>
+              </a:rPr>
+              <a:t>Done since last meeting</a:t>
+            </a:r>
+          </a:p>
+        </p:txBody>
+      </p:sp>
+      <p:sp>
+        <p:nvSpPr>
+          <p:cNvPr id="7" name="Shape 83"/>
+          <p:cNvSpPr>
+            <a:spLocks noGrp="1"/>
+          </p:cNvSpPr>
+          <p:nvPr>
+            <p:ph type="body" idx="1"/>
+          </p:nvPr>
+        </p:nvSpPr>
+        <p:spPr>
+          <a:prstGeom prst="rect">
+            <a:avLst/>
+          </a:prstGeom>
+        </p:spPr>
+        <p:txBody>
+          <a:bodyPr>
+            <a:normAutofit/>
+          </a:bodyPr>
+          <a:lstStyle/>
+          <a:p>
+            <a:pPr marL="515619" lvl="0" indent="-331469" defTabSz="338835">
+              <a:spcBef>
+                <a:spcPts val="1300"/>
+              </a:spcBef>
+              <a:defRPr sz="1800">
+                <a:solidFill>
+                  <a:srgbClr val="000000"/>
+                </a:solidFill>
+              </a:defRPr>
+            </a:pPr>
+            <a:r>
+              <a:rPr lang="en-US" sz="2435" noProof="0" dirty="0">
+                <a:solidFill>
+                  <a:srgbClr val="275D90"/>
+                </a:solidFill>
+              </a:rPr>
+              <a:t>Theme 1</a:t>
+            </a:r>
+          </a:p>
+          <a:p>
+            <a:pPr marL="773429" lvl="1" indent="-331469" defTabSz="338835">
+              <a:spcBef>
+                <a:spcPts val="1300"/>
+              </a:spcBef>
+              <a:defRPr sz="1800">
+                <a:solidFill>
+                  <a:srgbClr val="000000"/>
+                </a:solidFill>
+              </a:defRPr>
+            </a:pPr>
+            <a:r>
+              <a:rPr lang="en-US" sz="2204" noProof="0" dirty="0">
+                <a:solidFill>
+                  <a:srgbClr val="275D90"/>
+                </a:solidFill>
+              </a:rPr>
+              <a:t>Item 1</a:t>
+            </a:r>
+          </a:p>
+          <a:p>
+            <a:pPr marL="773429" lvl="1" indent="-331469" defTabSz="338835">
+              <a:spcBef>
+                <a:spcPts val="1300"/>
+              </a:spcBef>
+              <a:defRPr sz="1800">
+                <a:solidFill>
+                  <a:srgbClr val="000000"/>
+                </a:solidFill>
+              </a:defRPr>
+            </a:pPr>
+            <a:r>
+              <a:rPr lang="en-US" sz="2204" noProof="0" dirty="0">
+                <a:solidFill>
+                  <a:srgbClr val="275D90"/>
+                </a:solidFill>
+              </a:rPr>
+              <a:t>Item 2</a:t>
+            </a:r>
+          </a:p>
+          <a:p>
+            <a:pPr marL="773429" lvl="1" indent="-331469" defTabSz="338835">
+              <a:spcBef>
+                <a:spcPts val="1300"/>
+              </a:spcBef>
+              <a:defRPr sz="1800">
+                <a:solidFill>
+                  <a:srgbClr val="000000"/>
+                </a:solidFill>
+              </a:defRPr>
+            </a:pPr>
+            <a:r>
+              <a:rPr lang="en-US" sz="2204" noProof="0" dirty="0">
+                <a:solidFill>
+                  <a:srgbClr val="275D90"/>
+                </a:solidFill>
+              </a:rPr>
+              <a:t>Item 3</a:t>
+            </a:r>
+          </a:p>
+          <a:p>
+            <a:pPr marL="515619" lvl="0" indent="-331469" defTabSz="338835">
+              <a:spcBef>
+                <a:spcPts val="1300"/>
+              </a:spcBef>
+              <a:defRPr sz="1800">
+                <a:solidFill>
+                  <a:srgbClr val="000000"/>
+                </a:solidFill>
+              </a:defRPr>
+            </a:pPr>
+            <a:r>
+              <a:rPr lang="en-US" sz="2435" noProof="0" dirty="0">
+                <a:solidFill>
+                  <a:srgbClr val="00549F"/>
+                </a:solidFill>
+              </a:rPr>
+              <a:t>Theme 2</a:t>
+            </a:r>
+          </a:p>
+          <a:p>
+            <a:pPr marL="773429" lvl="1" indent="-331469" defTabSz="338835">
+              <a:spcBef>
+                <a:spcPts val="1300"/>
+              </a:spcBef>
+              <a:defRPr sz="1800">
+                <a:solidFill>
+                  <a:srgbClr val="000000"/>
+                </a:solidFill>
+              </a:defRPr>
+            </a:pPr>
+            <a:r>
+              <a:rPr lang="en-US" sz="2204" noProof="0" dirty="0">
+                <a:solidFill>
+                  <a:srgbClr val="00549F"/>
+                </a:solidFill>
+              </a:rPr>
+              <a:t>Item 1</a:t>
+            </a:r>
+          </a:p>
+          <a:p>
+            <a:pPr marL="773429" lvl="1" indent="-331469" defTabSz="338835">
+              <a:spcBef>
+                <a:spcPts val="1300"/>
+              </a:spcBef>
+              <a:defRPr sz="1800">
+                <a:solidFill>
+                  <a:srgbClr val="000000"/>
+                </a:solidFill>
+              </a:defRPr>
+            </a:pPr>
+            <a:r>
+              <a:rPr lang="en-US" sz="2204" noProof="0" dirty="0">
+                <a:solidFill>
+                  <a:srgbClr val="00549F"/>
+                </a:solidFill>
+              </a:rPr>
+              <a:t>Item 2</a:t>
+            </a:r>
+          </a:p>
+          <a:p>
+            <a:pPr marL="773429" lvl="1" indent="-331469" defTabSz="338835">
+              <a:spcBef>
+                <a:spcPts val="1300"/>
+              </a:spcBef>
+              <a:defRPr sz="1800">
+                <a:solidFill>
+                  <a:srgbClr val="000000"/>
+                </a:solidFill>
+              </a:defRPr>
+            </a:pPr>
+            <a:r>
+              <a:rPr lang="en-US" sz="2204" noProof="0" dirty="0">
+                <a:solidFill>
+                  <a:srgbClr val="00549F"/>
+                </a:solidFill>
+              </a:rPr>
+              <a:t>Item 3</a:t>
+            </a:r>
+          </a:p>
+          <a:p>
+            <a:pPr marL="515619" lvl="0" indent="-331469" defTabSz="338835">
+              <a:spcBef>
+                <a:spcPts val="1300"/>
+              </a:spcBef>
+              <a:defRPr sz="1800">
+                <a:solidFill>
+                  <a:srgbClr val="000000"/>
+                </a:solidFill>
+              </a:defRPr>
+            </a:pPr>
+            <a:r>
+              <a:rPr lang="en-US" sz="2435" noProof="0" dirty="0">
+                <a:solidFill>
+                  <a:srgbClr val="275D90"/>
+                </a:solidFill>
+              </a:rPr>
+              <a:t>Miscellanies</a:t>
+            </a:r>
+          </a:p>
+          <a:p>
+            <a:pPr marL="773429" lvl="1" indent="-331469" defTabSz="338835">
+              <a:spcBef>
+                <a:spcPts val="1300"/>
+              </a:spcBef>
+              <a:defRPr sz="1800">
+                <a:solidFill>
+                  <a:srgbClr val="000000"/>
+                </a:solidFill>
+              </a:defRPr>
+            </a:pPr>
+            <a:r>
+              <a:rPr lang="en-US" sz="2204" noProof="0" dirty="0">
+                <a:solidFill>
+                  <a:srgbClr val="275D90"/>
+                </a:solidFill>
+              </a:rPr>
+              <a:t>Item 1</a:t>
+            </a:r>
+          </a:p>
+          <a:p>
+            <a:pPr marL="773429" lvl="1" indent="-331469" defTabSz="338835">
+              <a:spcBef>
+                <a:spcPts val="1300"/>
+              </a:spcBef>
+              <a:defRPr sz="1800">
+                <a:solidFill>
+                  <a:srgbClr val="000000"/>
+                </a:solidFill>
+              </a:defRPr>
+            </a:pPr>
+            <a:r>
+              <a:rPr lang="en-US" sz="2204" noProof="0" dirty="0">
+                <a:solidFill>
+                  <a:srgbClr val="275D90"/>
+                </a:solidFill>
+              </a:rPr>
+              <a:t>Item 2</a:t>
+            </a:r>
+          </a:p>
+          <a:p>
+            <a:pPr marL="773429" lvl="1" indent="-331469" defTabSz="338835">
+              <a:spcBef>
+                <a:spcPts val="1300"/>
+              </a:spcBef>
+              <a:defRPr sz="1800">
+                <a:solidFill>
+                  <a:srgbClr val="000000"/>
+                </a:solidFill>
+              </a:defRPr>
+            </a:pPr>
+            <a:r>
+              <a:rPr lang="en-US" sz="2204" noProof="0" dirty="0">
+                <a:solidFill>
+                  <a:srgbClr val="275D90"/>
+                </a:solidFill>
+              </a:rPr>
+              <a:t>Item 3</a:t>
+            </a:r>
+            <a:endParaRPr lang="en-US" sz="2204" noProof="0" dirty="0"/>
+          </a:p>
+          <a:p>
+            <a:pPr marL="773429" lvl="1" indent="-331469" defTabSz="338835">
+              <a:spcBef>
+                <a:spcPts val="1300"/>
+              </a:spcBef>
+              <a:defRPr sz="1800">
+                <a:solidFill>
+                  <a:srgbClr val="000000"/>
+                </a:solidFill>
+              </a:defRPr>
+            </a:pPr>
+            <a:r>
+              <a:rPr lang="en-US" sz="2204" noProof="0" dirty="0">
+                <a:solidFill>
+                  <a:srgbClr val="275D90"/>
+                </a:solidFill>
+              </a:rPr>
+              <a:t>Item 4</a:t>
+            </a:r>
+          </a:p>
+        </p:txBody>
+      </p:sp>
+      <p:sp>
+        <p:nvSpPr>
+          <p:cNvPr id="3" name="Footer Placeholder 2"/>
+          <p:cNvSpPr>
+            <a:spLocks noGrp="1"/>
+          </p:cNvSpPr>
+          <p:nvPr>
+            <p:ph type="ftr" sz="quarter" idx="10"/>
+          </p:nvPr>
+        </p:nvSpPr>
+        <p:spPr/>
+        <p:txBody>
+          <a:bodyPr/>
+          <a:lstStyle/>
+          <a:p>
+            <a:r>
+              <a:rPr lang="en-US" dirty="0"/>
+              <a:t>Author-Title</a:t>
+            </a:r>
+          </a:p>
+        </p:txBody>
+      </p:sp>
+      <p:sp>
+        <p:nvSpPr>
+          <p:cNvPr id="80" name="Shape 80"/>
+          <p:cNvSpPr>
+            <a:spLocks noGrp="1"/>
+          </p:cNvSpPr>
+          <p:nvPr>
+            <p:ph type="sldNum" sz="quarter" idx="4"/>
+          </p:nvPr>
+        </p:nvSpPr>
+        <p:spPr>
+          <a:xfrm>
+            <a:off x="3543300" y="9029700"/>
+            <a:ext cx="266701" cy="457200"/>
+          </a:xfrm>
+          <a:prstGeom prst="rect">
+            <a:avLst/>
+          </a:prstGeom>
+          <a:extLst>
+            <a:ext uri="{C572A759-6A51-4108-AA02-DFA0A04FC94B}">
+              <ma14:wrappingTextBoxFlag xmlns="" xmlns:ma14="http://schemas.microsoft.com/office/mac/drawingml/2011/main" val="1"/>
+            </a:ext>
+          </a:extLst>
+        </p:spPr>
+        <p:txBody>
+          <a:bodyPr/>
+          <a:lstStyle/>
+          <a:p>
+            <a:pPr lvl="0">
+              <a:defRPr sz="1800">
+                <a:solidFill>
+                  <a:srgbClr val="000000"/>
+                </a:solidFill>
+              </a:defRPr>
+            </a:pPr>
+            <a:fld id="{86CB4B4D-7CA3-9044-876B-883B54F8677D}" type="slidenum">
+              <a:rPr sz="2400">
+                <a:solidFill>
+                  <a:srgbClr val="275D90"/>
+                </a:solidFill>
+              </a:rPr>
+              <a:t>5</a:t>
+            </a:fld>
+            <a:endParaRPr sz="2400">
+              <a:solidFill>
+                <a:srgbClr val="275D90"/>
+              </a:solidFill>
+            </a:endParaRPr>
+          </a:p>
+        </p:txBody>
+      </p:sp>
+    </p:spTree>
+    <p:extLst>
+      <p:ext uri="{BB962C8B-B14F-4D97-AF65-F5344CB8AC3E}">
+        <p14:creationId xmlns:p14="http://schemas.microsoft.com/office/powerpoint/2010/main" val="2921909502"/>
+      </p:ext>
+    </p:extLst>
+  </p:cSld>
+  <p:clrMapOvr>
+    <a:masterClrMapping/>
+  </p:clrMapOvr>
+  <p:transition spd="med"/>
+</p:sld>
+</file>
+
+<file path=ppt/slides/slide6.xml><?xml version="1.0" encoding="utf-8"?>
 <p:sld xmlns:a="http://schemas.openxmlformats.org/drawingml/2006/main" xmlns:r="http://schemas.openxmlformats.org/officeDocument/2006/relationships" xmlns:p="http://schemas.openxmlformats.org/presentationml/2006/main">
   <p:cSld>
     <p:spTree>
@@ -2678,12 +3916,20 @@
               </a:defRPr>
             </a:pPr>
             <a:r>
-              <a:rPr sz="8400" dirty="0">
-                <a:solidFill>
-                  <a:srgbClr val="275D90"/>
-                </a:solidFill>
-              </a:rPr>
-              <a:t>ToDo for next week</a:t>
+              <a:rPr lang="en-US" sz="8400" noProof="0" dirty="0" err="1">
+                <a:solidFill>
+                  <a:srgbClr val="275D90"/>
+                </a:solidFill>
+              </a:rPr>
+              <a:t>ToDo</a:t>
+            </a:r>
+            <a:r>
+              <a:rPr lang="en-US" sz="8400" noProof="0" dirty="0">
+                <a:solidFill>
+                  <a:srgbClr val="275D90"/>
+                </a:solidFill>
+              </a:rPr>
+              <a:t> for next week</a:t>
             </a:r>
           </a:p>
         </p:txBody>
@@ -2720,26 +3966,13 @@
               </a:defRPr>
             </a:pPr>
             <a:r>
-              <a:rPr lang="de-DE" sz="2435" dirty="0" err="1" smtClean="0">
-                <a:solidFill>
-                  <a:srgbClr val="275D90"/>
-                </a:solidFill>
-              </a:rPr>
-              <a:t>Theme</a:t>
-            </a:r>
-            <a:r>
-              <a:rPr lang="de-DE" sz="2435" dirty="0" smtClean="0">
-                <a:solidFill>
-                  <a:srgbClr val="275D90"/>
-                </a:solidFill>
-              </a:rPr>
-              <a:t> 1</a:t>
-            </a:r>
-            <a:endParaRPr sz="2435" dirty="0">
-              <a:solidFill>
-                <a:srgbClr val="275D90"/>
-              </a:solidFill>
-            </a:endParaRPr>
+              <a:rPr lang="en-US" sz="2435" noProof="0" dirty="0">
+                <a:solidFill>
+                  <a:srgbClr val="275D90"/>
+                </a:solidFill>
+              </a:rPr>
+              <a:t>Theme 1</a:t>
+            </a:r>
           </a:p>
           <a:p>
             <a:pPr marL="773429" lvl="1" indent="-331469" defTabSz="338835">
@@ -2753,18 +3986,13 @@
               </a:defRPr>
             </a:pPr>
             <a:r>
-              <a:rPr lang="de-DE" sz="2204" dirty="0" smtClean="0">
+              <a:rPr lang="en-US" sz="2204" noProof="0" dirty="0">
                 <a:solidFill>
                   <a:srgbClr val="275D90"/>
                 </a:solidFill>
               </a:rPr>
               <a:t>Item 1</a:t>
             </a:r>
-            <a:endParaRPr sz="2204" dirty="0">
-              <a:solidFill>
-                <a:srgbClr val="275D90"/>
-              </a:solidFill>
-            </a:endParaRPr>
           </a:p>
           <a:p>
             <a:pPr marL="773429" lvl="1" indent="-331469" defTabSz="338835">
@@ -2778,18 +4006,13 @@
               </a:defRPr>
             </a:pPr>
             <a:r>
-              <a:rPr lang="de-DE" sz="2204" dirty="0" smtClean="0">
+              <a:rPr lang="en-US" sz="2204" noProof="0" dirty="0">
                 <a:solidFill>
                   <a:srgbClr val="275D90"/>
                 </a:solidFill>
               </a:rPr>
               <a:t>Item 2</a:t>
             </a:r>
-            <a:endParaRPr sz="2204" dirty="0">
-              <a:solidFill>
-                <a:srgbClr val="275D90"/>
-              </a:solidFill>
-            </a:endParaRPr>
           </a:p>
           <a:p>
             <a:pPr marL="773429" lvl="1" indent="-331469" defTabSz="338835">
@@ -2803,7 +4026,7 @@
               </a:defRPr>
             </a:pPr>
             <a:r>
-              <a:rPr lang="de-DE" sz="2204" dirty="0" smtClean="0">
+              <a:rPr lang="en-US" sz="2204" noProof="0" dirty="0">
                 <a:solidFill>
                   <a:srgbClr val="275D90"/>
                 </a:solidFill>
@@ -2823,34 +4046,53 @@
               </a:defRPr>
             </a:pPr>
             <a:r>
-              <a:rPr lang="de-DE" sz="2435" dirty="0" err="1">
+              <a:rPr lang="en-US" sz="2435" noProof="0" dirty="0">
                 <a:solidFill>
                   <a:srgbClr val="00549F"/>
                 </a:solidFill>
               </a:rPr>
-              <a:t>Theme</a:t>
-            </a:r>
-            <a:r>
-              <a:rPr lang="de-DE" sz="2435" dirty="0">
+              <a:t>Theme 2</a:t>
+            </a:r>
+          </a:p>
+          <a:p>
+            <a:pPr marL="773429" lvl="1" indent="-331469" defTabSz="338835">
+              <a:spcBef>
+                <a:spcPts val="1300"/>
+              </a:spcBef>
+              <a:defRPr sz="1800">
+                <a:solidFill>
+                  <a:srgbClr val="000000"/>
+                </a:solidFill>
+              </a:defRPr>
+            </a:pPr>
+            <a:r>
+              <a:rPr lang="en-US" sz="2204" noProof="0" dirty="0">
                 <a:solidFill>
                   <a:srgbClr val="00549F"/>
                 </a:solidFill>
               </a:rPr>
-              <a:t> </a:t>
-            </a:r>
-            <a:r>
-              <a:rPr lang="de-DE" sz="2435" dirty="0" smtClean="0">
+              <a:t>Item 1</a:t>
+            </a:r>
+          </a:p>
+          <a:p>
+            <a:pPr marL="773429" lvl="1" indent="-331469" defTabSz="338835">
+              <a:spcBef>
+                <a:spcPts val="1300"/>
+              </a:spcBef>
+              <a:defRPr sz="1800">
+                <a:solidFill>
+                  <a:srgbClr val="000000"/>
+                </a:solidFill>
+              </a:defRPr>
+            </a:pPr>
+            <a:r>
+              <a:rPr lang="en-US" sz="2204" noProof="0" dirty="0">
                 <a:solidFill>
                   <a:srgbClr val="00549F"/>
                 </a:solidFill>
               </a:rPr>
-              <a:t>2</a:t>
-            </a:r>
-            <a:endParaRPr lang="de-DE" sz="2435" dirty="0">
-              <a:solidFill>
-                <a:srgbClr val="00549F"/>
-              </a:solidFill>
-            </a:endParaRPr>
+              <a:t>Item 2</a:t>
+            </a:r>
           </a:p>
           <a:p>
             <a:pPr marL="773429" lvl="1" indent="-331469" defTabSz="338835">
@@ -2864,11 +4106,51 @@
               </a:defRPr>
             </a:pPr>
             <a:r>
-              <a:rPr lang="de-DE" sz="2204" dirty="0">
+              <a:rPr lang="en-US" sz="2204" noProof="0" dirty="0">
                 <a:solidFill>
                   <a:srgbClr val="00549F"/>
                 </a:solidFill>
               </a:rPr>
+              <a:t>Item 3</a:t>
+            </a:r>
+          </a:p>
+          <a:p>
+            <a:pPr marL="515619" lvl="0" indent="-331469" defTabSz="338835">
+              <a:spcBef>
+                <a:spcPts val="1300"/>
+              </a:spcBef>
+              <a:defRPr sz="1800">
+                <a:solidFill>
+                  <a:srgbClr val="000000"/>
+                </a:solidFill>
+              </a:defRPr>
+            </a:pPr>
+            <a:r>
+              <a:rPr lang="en-US" sz="2435" noProof="0" dirty="0">
+                <a:solidFill>
+                  <a:srgbClr val="275D90"/>
+                </a:solidFill>
+              </a:rPr>
+              <a:t>Miscellanies</a:t>
+            </a:r>
+          </a:p>
+          <a:p>
+            <a:pPr marL="773429" lvl="1" indent="-331469" defTabSz="338835">
+              <a:spcBef>
+                <a:spcPts val="1300"/>
+              </a:spcBef>
+              <a:defRPr sz="1800">
+                <a:solidFill>
+                  <a:srgbClr val="000000"/>
+                </a:solidFill>
+              </a:defRPr>
+            </a:pPr>
+            <a:r>
+              <a:rPr lang="en-US" sz="2204" noProof="0" dirty="0">
+                <a:solidFill>
+                  <a:srgbClr val="275D90"/>
+                </a:solidFill>
+              </a:rPr>
               <a:t>Item 1</a:t>
             </a:r>
           </a:p>
@@ -2884,9 +4166,9 @@
               </a:defRPr>
             </a:pPr>
             <a:r>
-              <a:rPr lang="de-DE" sz="2204" dirty="0">
-                <a:solidFill>
-                  <a:srgbClr val="00549F"/>
+              <a:rPr lang="en-US" sz="2204" noProof="0" dirty="0">
+                <a:solidFill>
+                  <a:srgbClr val="275D90"/>
                 </a:solidFill>
               </a:rPr>
               <a:t>Item 2</a:t>
@@ -2904,29 +4186,17 @@
               </a:defRPr>
             </a:pPr>
             <a:r>
-              <a:rPr lang="de-DE" sz="2204" dirty="0">
-                <a:solidFill>
-                  <a:srgbClr val="00549F"/>
-                </a:solidFill>
-              </a:rPr>
-              <a:t>Item </a:t>
-            </a:r>
-            <a:r>
-              <a:rPr lang="de-DE" sz="2204" dirty="0" smtClean="0">
-                <a:solidFill>
-                  <a:srgbClr val="00549F"/>
-                </a:solidFill>
-              </a:rPr>
-              <a:t>3</a:t>
-            </a:r>
-            <a:endParaRPr sz="2204" dirty="0">
-              <a:solidFill>
-                <a:srgbClr val="00549F"/>
-              </a:solidFill>
-            </a:endParaRPr>
-          </a:p>
-          <a:p>
-            <a:pPr marL="515619" lvl="0" indent="-331469" defTabSz="338835">
+              <a:rPr lang="en-US" sz="2204" noProof="0" dirty="0">
+                <a:solidFill>
+                  <a:srgbClr val="275D90"/>
+                </a:solidFill>
+              </a:rPr>
+              <a:t>Item 3</a:t>
+            </a:r>
+            <a:endParaRPr lang="en-US" sz="2204" noProof="0" dirty="0"/>
+          </a:p>
+          <a:p>
+            <a:pPr marL="773429" lvl="1" indent="-331469" defTabSz="338835">
               <a:spcBef>
                 <a:spcPts val="1300"/>
               </a:spcBef>
@@ -2937,114 +4207,13 @@
               </a:defRPr>
             </a:pPr>
             <a:r>
-              <a:rPr sz="2435" dirty="0" smtClean="0">
-                <a:solidFill>
-                  <a:srgbClr val="275D90"/>
-                </a:solidFill>
-              </a:rPr>
-              <a:t>Miscellanies</a:t>
-            </a:r>
-            <a:endParaRPr sz="2435" dirty="0">
-              <a:solidFill>
-                <a:srgbClr val="275D90"/>
-              </a:solidFill>
-            </a:endParaRPr>
-          </a:p>
-          <a:p>
-            <a:pPr marL="773429" lvl="1" indent="-331469" defTabSz="338835">
-              <a:spcBef>
-                <a:spcPts val="1300"/>
-              </a:spcBef>
-              <a:defRPr sz="1800">
-                <a:solidFill>
-                  <a:srgbClr val="000000"/>
-                </a:solidFill>
-              </a:defRPr>
-            </a:pPr>
-            <a:r>
-              <a:rPr lang="de-DE" sz="2204" dirty="0" smtClean="0">
-                <a:solidFill>
-                  <a:srgbClr val="275D90"/>
-                </a:solidFill>
-              </a:rPr>
-              <a:t>Item 1</a:t>
-            </a:r>
-            <a:endParaRPr sz="2204" dirty="0">
-              <a:solidFill>
-                <a:srgbClr val="275D90"/>
-              </a:solidFill>
-            </a:endParaRPr>
-          </a:p>
-          <a:p>
-            <a:pPr marL="773429" lvl="1" indent="-331469" defTabSz="338835">
-              <a:spcBef>
-                <a:spcPts val="1300"/>
-              </a:spcBef>
-              <a:defRPr sz="1800">
-                <a:solidFill>
-                  <a:srgbClr val="000000"/>
-                </a:solidFill>
-              </a:defRPr>
-            </a:pPr>
-            <a:r>
-              <a:rPr lang="de-DE" sz="2204" dirty="0" smtClean="0">
-                <a:solidFill>
-                  <a:srgbClr val="275D90"/>
-                </a:solidFill>
-              </a:rPr>
-              <a:t>Item 2</a:t>
-            </a:r>
-            <a:endParaRPr sz="2204" dirty="0">
-              <a:solidFill>
-                <a:srgbClr val="275D90"/>
-              </a:solidFill>
-            </a:endParaRPr>
-          </a:p>
-          <a:p>
-            <a:pPr marL="773429" lvl="1" indent="-331469" defTabSz="338835">
-              <a:spcBef>
-                <a:spcPts val="1300"/>
-              </a:spcBef>
-              <a:defRPr sz="1800">
-                <a:solidFill>
-                  <a:srgbClr val="000000"/>
-                </a:solidFill>
-              </a:defRPr>
-            </a:pPr>
-            <a:r>
-              <a:rPr lang="de-DE" sz="2204" dirty="0" smtClean="0">
-                <a:solidFill>
-                  <a:srgbClr val="275D90"/>
-                </a:solidFill>
-              </a:rPr>
-              <a:t>Item 3</a:t>
-            </a:r>
-            <a:endParaRPr lang="de-DE" sz="2204" dirty="0"/>
-          </a:p>
-          <a:p>
-            <a:pPr marL="773429" lvl="1" indent="-331469" defTabSz="338835">
-              <a:spcBef>
-                <a:spcPts val="1300"/>
-              </a:spcBef>
-              <a:defRPr sz="1800">
-                <a:solidFill>
-                  <a:srgbClr val="000000"/>
-                </a:solidFill>
-              </a:defRPr>
-            </a:pPr>
-            <a:r>
-              <a:rPr lang="de-DE" sz="2204" dirty="0" smtClean="0">
+              <a:rPr lang="en-US" sz="2204" noProof="0" dirty="0">
                 <a:solidFill>
                   <a:srgbClr val="275D90"/>
                 </a:solidFill>
               </a:rPr>
               <a:t>Item 4</a:t>
             </a:r>
-            <a:endParaRPr sz="2204" dirty="0">
-              <a:solidFill>
-                <a:srgbClr val="275D90"/>
-              </a:solidFill>
-            </a:endParaRPr>
           </a:p>
         </p:txBody>
       </p:sp>
@@ -3064,10 +4233,9 @@
           <a:lstStyle/>
           <a:p>
             <a:r>
-              <a:rPr lang="en-US" dirty="0" smtClean="0"/>
+              <a:rPr lang="en-US" dirty="0"/>
               <a:t>Author-Title</a:t>
             </a:r>
-            <a:endParaRPr lang="en-US" dirty="0"/>
           </a:p>
         </p:txBody>
       </p:sp>
@@ -3091,7 +4259,7 @@
           </a:prstGeom>
           <a:extLst>
             <a:ext uri="{C572A759-6A51-4108-AA02-DFA0A04FC94B}">
-              <ma14:wrappingTextBoxFlag xmlns:ma14="http://schemas.microsoft.com/office/mac/drawingml/2011/main" val="1"/>
+              <ma14:wrappingTextBoxFlag xmlns="" xmlns:ma14="http://schemas.microsoft.com/office/mac/drawingml/2011/main" val="1"/>
             </a:ext>
           </a:extLst>
         </p:spPr>
@@ -3112,7 +4280,7 @@
                   <a:srgbClr val="275D90"/>
                 </a:solidFill>
               </a:rPr>
-              <a:t>3</a:t>
+              <a:t>6</a:t>
             </a:fld>
             <a:endParaRPr sz="2400">
               <a:solidFill>
@@ -3127,18 +4295,11 @@
   <p:clrMapOvr>
     <a:masterClrMapping/>
   </p:clrMapOvr>
-  <p:transition xmlns:p14="http://schemas.microsoft.com/office/powerpoint/2010/main" spd="med"/>
-  <p:timing>
-    <p:tnLst>
-      <p:par>
-        <p:cTn xmlns:p14="http://schemas.microsoft.com/office/powerpoint/2010/main" id="1" dur="indefinite" restart="never" nodeType="tmRoot"/>
-      </p:par>
-    </p:tnLst>
-  </p:timing>
+  <p:transition spd="med"/>
 </p:sld>
 </file>
 
-<file path=ppt/slides/slide4.xml><?xml version="1.0" encoding="utf-8"?>
+<file path=ppt/slides/slide7.xml><?xml version="1.0" encoding="utf-8"?>
 <p:sld xmlns:a="http://schemas.openxmlformats.org/drawingml/2006/main" xmlns:r="http://schemas.openxmlformats.org/officeDocument/2006/relationships" xmlns:p="http://schemas.openxmlformats.org/presentationml/2006/main">
   <p:cSld>
     <p:spTree>
@@ -3171,10 +4332,9 @@
           <a:lstStyle/>
           <a:p>
             <a:r>
-              <a:rPr lang="en-US" dirty="0" smtClean="0"/>
+              <a:rPr lang="en-US" noProof="0" dirty="0"/>
               <a:t>Annotations/Outlook</a:t>
             </a:r>
-            <a:endParaRPr lang="en-US" dirty="0"/>
           </a:p>
         </p:txBody>
       </p:sp>
@@ -3194,33 +4354,33 @@
           <a:lstStyle/>
           <a:p>
             <a:r>
-              <a:rPr lang="en-US" dirty="0" smtClean="0"/>
+              <a:rPr lang="en-US" noProof="0" dirty="0"/>
               <a:t>Item 1</a:t>
             </a:r>
           </a:p>
           <a:p>
             <a:r>
-              <a:rPr lang="en-US" dirty="0" smtClean="0"/>
+              <a:rPr lang="en-US" noProof="0" dirty="0"/>
               <a:t>Item 2</a:t>
             </a:r>
           </a:p>
           <a:p>
             <a:r>
-              <a:rPr lang="en-US" dirty="0" smtClean="0"/>
+              <a:rPr lang="en-US" noProof="0" dirty="0"/>
               <a:t>Item 3</a:t>
             </a:r>
           </a:p>
           <a:p>
             <a:r>
-              <a:rPr lang="en-US" dirty="0" smtClean="0"/>
+              <a:rPr lang="en-US" noProof="0" dirty="0"/>
               <a:t>Item 4</a:t>
             </a:r>
           </a:p>
           <a:p>
-            <a:endParaRPr lang="en-US" dirty="0" smtClean="0"/>
-          </a:p>
-          <a:p>
-            <a:endParaRPr lang="en-US" dirty="0"/>
+            <a:endParaRPr lang="en-US" noProof="0" dirty="0"/>
+          </a:p>
+          <a:p>
+            <a:endParaRPr lang="en-US" noProof="0" dirty="0"/>
           </a:p>
         </p:txBody>
       </p:sp>
@@ -3240,10 +4400,9 @@
           <a:lstStyle/>
           <a:p>
             <a:r>
-              <a:rPr lang="en-US" dirty="0" smtClean="0"/>
+              <a:rPr lang="en-US" dirty="0"/>
               <a:t>Author-Title</a:t>
             </a:r>
-            <a:endParaRPr lang="en-US" dirty="0"/>
           </a:p>
         </p:txBody>
       </p:sp>
@@ -3265,7 +4424,7 @@
             <a:pPr lvl="0"/>
             <a:fld id="{86CB4B4D-7CA3-9044-876B-883B54F8677D}" type="slidenum">
               <a:rPr lang="en-US" smtClean="0"/>
-              <a:t>4</a:t>
+              <a:t>7</a:t>
             </a:fld>
             <a:endParaRPr lang="en-US" dirty="0"/>
           </a:p>
@@ -3281,14 +4440,7 @@
   <p:clrMapOvr>
     <a:masterClrMapping/>
   </p:clrMapOvr>
-  <p:transition xmlns:p14="http://schemas.microsoft.com/office/powerpoint/2010/main" spd="med"/>
-  <p:timing>
-    <p:tnLst>
-      <p:par>
-        <p:cTn xmlns:p14="http://schemas.microsoft.com/office/powerpoint/2010/main" id="1" dur="indefinite" restart="never" nodeType="tmRoot"/>
-      </p:par>
-    </p:tnLst>
-  </p:timing>
+  <p:transition spd="med"/>
 </p:sld>
 </file>
 
